--- a/Disc Room.pptx
+++ b/Disc Room.pptx
@@ -6,9 +6,10 @@
   </p:sldMasterIdLst>
   <p:sldIdLst>
     <p:sldId id="256" r:id="rId2"/>
-    <p:sldId id="257" r:id="rId3"/>
-    <p:sldId id="258" r:id="rId4"/>
-    <p:sldId id="259" r:id="rId5"/>
+    <p:sldId id="259" r:id="rId3"/>
+    <p:sldId id="257" r:id="rId4"/>
+    <p:sldId id="258" r:id="rId5"/>
+    <p:sldId id="260" r:id="rId6"/>
   </p:sldIdLst>
   <p:sldSz cx="12192000" cy="6858000"/>
   <p:notesSz cx="6858000" cy="9144000"/>
@@ -107,6 +108,11 @@
       </a:defRPr>
     </a:lvl9pPr>
   </p:defaultTextStyle>
+  <p:extLst>
+    <p:ext uri="{EFAFB233-063F-42B5-8137-9DF3F51BA10A}">
+      <p15:sldGuideLst xmlns:p15="http://schemas.microsoft.com/office/powerpoint/2012/main"/>
+    </p:ext>
+  </p:extLst>
 </p:presentation>
 </file>
 
@@ -310,7 +316,7 @@
           <a:p>
             <a:fld id="{AF35ED08-998A-4CC0-BF04-0F887C9A8691}" type="datetimeFigureOut">
               <a:rPr kumimoji="1" lang="ja-JP" altLang="en-US" smtClean="0"/>
-              <a:t>2023/11/7</a:t>
+              <a:t>2023/11/9</a:t>
             </a:fld>
             <a:endParaRPr kumimoji="1" lang="ja-JP" altLang="en-US"/>
           </a:p>
@@ -532,7 +538,7 @@
           <a:p>
             <a:fld id="{AF35ED08-998A-4CC0-BF04-0F887C9A8691}" type="datetimeFigureOut">
               <a:rPr kumimoji="1" lang="ja-JP" altLang="en-US" smtClean="0"/>
-              <a:t>2023/11/7</a:t>
+              <a:t>2023/11/9</a:t>
             </a:fld>
             <a:endParaRPr kumimoji="1" lang="ja-JP" altLang="en-US"/>
           </a:p>
@@ -744,7 +750,7 @@
           <a:p>
             <a:fld id="{AF35ED08-998A-4CC0-BF04-0F887C9A8691}" type="datetimeFigureOut">
               <a:rPr kumimoji="1" lang="ja-JP" altLang="en-US" smtClean="0"/>
-              <a:t>2023/11/7</a:t>
+              <a:t>2023/11/9</a:t>
             </a:fld>
             <a:endParaRPr kumimoji="1" lang="ja-JP" altLang="en-US"/>
           </a:p>
@@ -946,7 +952,7 @@
           <a:p>
             <a:fld id="{AF35ED08-998A-4CC0-BF04-0F887C9A8691}" type="datetimeFigureOut">
               <a:rPr kumimoji="1" lang="ja-JP" altLang="en-US" smtClean="0"/>
-              <a:t>2023/11/7</a:t>
+              <a:t>2023/11/9</a:t>
             </a:fld>
             <a:endParaRPr kumimoji="1" lang="ja-JP" altLang="en-US"/>
           </a:p>
@@ -1202,7 +1208,7 @@
           <a:p>
             <a:fld id="{AF35ED08-998A-4CC0-BF04-0F887C9A8691}" type="datetimeFigureOut">
               <a:rPr kumimoji="1" lang="ja-JP" altLang="en-US" smtClean="0"/>
-              <a:t>2023/11/7</a:t>
+              <a:t>2023/11/9</a:t>
             </a:fld>
             <a:endParaRPr kumimoji="1" lang="ja-JP" altLang="en-US"/>
           </a:p>
@@ -1554,7 +1560,7 @@
           <a:p>
             <a:fld id="{AF35ED08-998A-4CC0-BF04-0F887C9A8691}" type="datetimeFigureOut">
               <a:rPr kumimoji="1" lang="ja-JP" altLang="en-US" smtClean="0"/>
-              <a:t>2023/11/7</a:t>
+              <a:t>2023/11/9</a:t>
             </a:fld>
             <a:endParaRPr kumimoji="1" lang="ja-JP" altLang="en-US"/>
           </a:p>
@@ -2056,7 +2062,7 @@
           <a:p>
             <a:fld id="{AF35ED08-998A-4CC0-BF04-0F887C9A8691}" type="datetimeFigureOut">
               <a:rPr kumimoji="1" lang="ja-JP" altLang="en-US" smtClean="0"/>
-              <a:t>2023/11/7</a:t>
+              <a:t>2023/11/9</a:t>
             </a:fld>
             <a:endParaRPr kumimoji="1" lang="ja-JP" altLang="en-US"/>
           </a:p>
@@ -2174,7 +2180,7 @@
           <a:p>
             <a:fld id="{AF35ED08-998A-4CC0-BF04-0F887C9A8691}" type="datetimeFigureOut">
               <a:rPr kumimoji="1" lang="ja-JP" altLang="en-US" smtClean="0"/>
-              <a:t>2023/11/7</a:t>
+              <a:t>2023/11/9</a:t>
             </a:fld>
             <a:endParaRPr kumimoji="1" lang="ja-JP" altLang="en-US"/>
           </a:p>
@@ -2269,7 +2275,7 @@
           <a:p>
             <a:fld id="{AF35ED08-998A-4CC0-BF04-0F887C9A8691}" type="datetimeFigureOut">
               <a:rPr kumimoji="1" lang="ja-JP" altLang="en-US" smtClean="0"/>
-              <a:t>2023/11/7</a:t>
+              <a:t>2023/11/9</a:t>
             </a:fld>
             <a:endParaRPr kumimoji="1" lang="ja-JP" altLang="en-US"/>
           </a:p>
@@ -2657,7 +2663,7 @@
           <a:p>
             <a:fld id="{AF35ED08-998A-4CC0-BF04-0F887C9A8691}" type="datetimeFigureOut">
               <a:rPr kumimoji="1" lang="ja-JP" altLang="en-US" smtClean="0"/>
-              <a:t>2023/11/7</a:t>
+              <a:t>2023/11/9</a:t>
             </a:fld>
             <a:endParaRPr kumimoji="1" lang="ja-JP" altLang="en-US"/>
           </a:p>
@@ -2973,7 +2979,7 @@
           <a:p>
             <a:fld id="{AF35ED08-998A-4CC0-BF04-0F887C9A8691}" type="datetimeFigureOut">
               <a:rPr kumimoji="1" lang="ja-JP" altLang="en-US" smtClean="0"/>
-              <a:t>2023/11/7</a:t>
+              <a:t>2023/11/9</a:t>
             </a:fld>
             <a:endParaRPr kumimoji="1" lang="ja-JP" altLang="en-US"/>
           </a:p>
@@ -3238,7 +3244,7 @@
           <a:p>
             <a:fld id="{AF35ED08-998A-4CC0-BF04-0F887C9A8691}" type="datetimeFigureOut">
               <a:rPr kumimoji="1" lang="ja-JP" altLang="en-US" smtClean="0"/>
-              <a:t>2023/11/7</a:t>
+              <a:t>2023/11/9</a:t>
             </a:fld>
             <a:endParaRPr kumimoji="1" lang="ja-JP" altLang="en-US"/>
           </a:p>
@@ -3692,45 +3698,33 @@
         </p:nvSpPr>
         <p:spPr>
           <a:xfrm>
-            <a:off x="3091209" y="1728255"/>
+            <a:off x="1247151" y="1096243"/>
             <a:ext cx="7707533" cy="2063815"/>
           </a:xfrm>
         </p:spPr>
         <p:txBody>
           <a:bodyPr>
-            <a:normAutofit/>
+            <a:noAutofit/>
           </a:bodyPr>
           <a:lstStyle/>
           <a:p>
             <a:pPr algn="ctr"/>
             <a:r>
-              <a:rPr kumimoji="1" lang="en-US" altLang="ja-JP" sz="13800" dirty="0">
+              <a:rPr kumimoji="1" lang="en-US" altLang="ja-JP" sz="10300" dirty="0" err="1">
                 <a:solidFill>
                   <a:schemeClr val="tx1"/>
                 </a:solidFill>
+                <a:latin typeface="游ゴシック" panose="020B0400000000000000" pitchFamily="50" charset="-128"/>
+                <a:ea typeface="游ゴシック" panose="020B0400000000000000" pitchFamily="50" charset="-128"/>
               </a:rPr>
-              <a:t>Disc</a:t>
-            </a:r>
-            <a:r>
-              <a:rPr lang="ja-JP" altLang="en-US" sz="13800" dirty="0">
-                <a:solidFill>
-                  <a:schemeClr val="tx1"/>
-                </a:solidFill>
-              </a:rPr>
-              <a:t> </a:t>
-            </a:r>
-            <a:r>
-              <a:rPr lang="en-US" altLang="ja-JP" sz="13800" dirty="0">
-                <a:solidFill>
-                  <a:schemeClr val="tx1"/>
-                </a:solidFill>
-              </a:rPr>
-              <a:t>Room</a:t>
-            </a:r>
-            <a:endParaRPr kumimoji="1" lang="ja-JP" altLang="en-US" sz="13800" dirty="0">
+              <a:t>CircleRoom</a:t>
+            </a:r>
+            <a:endParaRPr kumimoji="1" lang="ja-JP" altLang="en-US" sz="10300" dirty="0">
               <a:solidFill>
                 <a:schemeClr val="tx1"/>
               </a:solidFill>
+              <a:latin typeface="游ゴシック" panose="020B0400000000000000" pitchFamily="50" charset="-128"/>
+              <a:ea typeface="游ゴシック" panose="020B0400000000000000" pitchFamily="50" charset="-128"/>
             </a:endParaRPr>
           </a:p>
         </p:txBody>
@@ -3753,15 +3747,229 @@
         </p:nvSpPr>
         <p:spPr>
           <a:xfrm>
-            <a:off x="869218" y="4045512"/>
+            <a:off x="486816" y="3160058"/>
             <a:ext cx="9228201" cy="1645920"/>
           </a:xfrm>
         </p:spPr>
         <p:txBody>
-          <a:bodyPr/>
-          <a:lstStyle/>
-          <a:p>
-            <a:endParaRPr kumimoji="1" lang="ja-JP" altLang="en-US" dirty="0"/>
+          <a:bodyPr>
+            <a:normAutofit/>
+          </a:bodyPr>
+          <a:lstStyle/>
+          <a:p>
+            <a:pPr algn="ctr"/>
+            <a:r>
+              <a:rPr kumimoji="1" lang="ja-JP" altLang="en-US" sz="3600" dirty="0">
+                <a:solidFill>
+                  <a:schemeClr val="tx1"/>
+                </a:solidFill>
+                <a:latin typeface="游ゴシック" panose="020B0400000000000000" pitchFamily="50" charset="-128"/>
+                <a:ea typeface="游ゴシック" panose="020B0400000000000000" pitchFamily="50" charset="-128"/>
+              </a:rPr>
+              <a:t>～</a:t>
+            </a:r>
+            <a:r>
+              <a:rPr kumimoji="1" lang="en-US" altLang="ja-JP" sz="3600" dirty="0">
+                <a:solidFill>
+                  <a:schemeClr val="tx1"/>
+                </a:solidFill>
+                <a:latin typeface="游ゴシック" panose="020B0400000000000000" pitchFamily="50" charset="-128"/>
+                <a:ea typeface="游ゴシック" panose="020B0400000000000000" pitchFamily="50" charset="-128"/>
+              </a:rPr>
+              <a:t>Disc</a:t>
+            </a:r>
+            <a:r>
+              <a:rPr lang="ja-JP" altLang="en-US" sz="3600" dirty="0">
+                <a:solidFill>
+                  <a:schemeClr val="tx1"/>
+                </a:solidFill>
+                <a:latin typeface="游ゴシック" panose="020B0400000000000000" pitchFamily="50" charset="-128"/>
+                <a:ea typeface="游ゴシック" panose="020B0400000000000000" pitchFamily="50" charset="-128"/>
+              </a:rPr>
+              <a:t> </a:t>
+            </a:r>
+            <a:r>
+              <a:rPr lang="en-US" altLang="ja-JP" sz="3600" dirty="0">
+                <a:solidFill>
+                  <a:schemeClr val="tx1"/>
+                </a:solidFill>
+                <a:latin typeface="游ゴシック" panose="020B0400000000000000" pitchFamily="50" charset="-128"/>
+                <a:ea typeface="游ゴシック" panose="020B0400000000000000" pitchFamily="50" charset="-128"/>
+              </a:rPr>
+              <a:t>Room</a:t>
+            </a:r>
+            <a:r>
+              <a:rPr lang="ja-JP" altLang="en-US" sz="3600" dirty="0">
+                <a:solidFill>
+                  <a:schemeClr val="tx1"/>
+                </a:solidFill>
+                <a:latin typeface="游ゴシック" panose="020B0400000000000000" pitchFamily="50" charset="-128"/>
+                <a:ea typeface="游ゴシック" panose="020B0400000000000000" pitchFamily="50" charset="-128"/>
+              </a:rPr>
+              <a:t>のパクリげー</a:t>
+            </a:r>
+            <a:r>
+              <a:rPr kumimoji="1" lang="ja-JP" altLang="en-US" sz="3600" dirty="0">
+                <a:solidFill>
+                  <a:schemeClr val="tx1"/>
+                </a:solidFill>
+                <a:latin typeface="游ゴシック" panose="020B0400000000000000" pitchFamily="50" charset="-128"/>
+                <a:ea typeface="游ゴシック" panose="020B0400000000000000" pitchFamily="50" charset="-128"/>
+              </a:rPr>
+              <a:t>～</a:t>
+            </a:r>
+          </a:p>
+        </p:txBody>
+      </p:sp>
+      <p:sp>
+        <p:nvSpPr>
+          <p:cNvPr id="4" name="テキスト ボックス 3">
+            <a:extLst>
+              <a:ext uri="{FF2B5EF4-FFF2-40B4-BE49-F238E27FC236}">
+                <a16:creationId xmlns:a16="http://schemas.microsoft.com/office/drawing/2014/main" id="{42D72094-92B2-4934-B6CC-A8A4E5F8AC66}"/>
+              </a:ext>
+            </a:extLst>
+          </p:cNvPr>
+          <p:cNvSpPr txBox="1"/>
+          <p:nvPr/>
+        </p:nvSpPr>
+        <p:spPr>
+          <a:xfrm>
+            <a:off x="5889811" y="4706031"/>
+            <a:ext cx="5580530" cy="954107"/>
+          </a:xfrm>
+          <a:prstGeom prst="rect">
+            <a:avLst/>
+          </a:prstGeom>
+          <a:noFill/>
+        </p:spPr>
+        <p:txBody>
+          <a:bodyPr wrap="square" rtlCol="0">
+            <a:spAutoFit/>
+          </a:bodyPr>
+          <a:lstStyle/>
+          <a:p>
+            <a:r>
+              <a:rPr kumimoji="1" lang="ja-JP" altLang="en-US" sz="2800" dirty="0">
+                <a:latin typeface="游ゴシック" panose="020B0400000000000000" pitchFamily="50" charset="-128"/>
+                <a:ea typeface="游ゴシック" panose="020B0400000000000000" pitchFamily="50" charset="-128"/>
+              </a:rPr>
+              <a:t>■ジャンル</a:t>
+            </a:r>
+            <a:r>
+              <a:rPr kumimoji="1" lang="en-US" altLang="ja-JP" sz="2800" dirty="0">
+                <a:latin typeface="游ゴシック" panose="020B0400000000000000" pitchFamily="50" charset="-128"/>
+                <a:ea typeface="游ゴシック" panose="020B0400000000000000" pitchFamily="50" charset="-128"/>
+              </a:rPr>
+              <a:t>		</a:t>
+            </a:r>
+            <a:r>
+              <a:rPr kumimoji="1" lang="ja-JP" altLang="en-US" sz="2800" dirty="0">
+                <a:latin typeface="游ゴシック" panose="020B0400000000000000" pitchFamily="50" charset="-128"/>
+                <a:ea typeface="游ゴシック" panose="020B0400000000000000" pitchFamily="50" charset="-128"/>
+              </a:rPr>
+              <a:t>：</a:t>
+            </a:r>
+            <a:r>
+              <a:rPr kumimoji="1" lang="en-US" altLang="ja-JP" sz="2800" dirty="0">
+                <a:latin typeface="游ゴシック" panose="020B0400000000000000" pitchFamily="50" charset="-128"/>
+                <a:ea typeface="游ゴシック" panose="020B0400000000000000" pitchFamily="50" charset="-128"/>
+              </a:rPr>
+              <a:t>	</a:t>
+            </a:r>
+            <a:r>
+              <a:rPr kumimoji="1" lang="ja-JP" altLang="en-US" sz="2800" dirty="0">
+                <a:latin typeface="游ゴシック" panose="020B0400000000000000" pitchFamily="50" charset="-128"/>
+                <a:ea typeface="游ゴシック" panose="020B0400000000000000" pitchFamily="50" charset="-128"/>
+              </a:rPr>
+              <a:t>避けゲー</a:t>
+            </a:r>
+            <a:endParaRPr kumimoji="1" lang="en-US" altLang="ja-JP" sz="2800" dirty="0">
+              <a:latin typeface="游ゴシック" panose="020B0400000000000000" pitchFamily="50" charset="-128"/>
+              <a:ea typeface="游ゴシック" panose="020B0400000000000000" pitchFamily="50" charset="-128"/>
+            </a:endParaRPr>
+          </a:p>
+          <a:p>
+            <a:r>
+              <a:rPr kumimoji="1" lang="en-US" altLang="ja-JP" sz="2800" dirty="0">
+                <a:latin typeface="游ゴシック" panose="020B0400000000000000" pitchFamily="50" charset="-128"/>
+                <a:ea typeface="游ゴシック" panose="020B0400000000000000" pitchFamily="50" charset="-128"/>
+              </a:rPr>
+              <a:t>						</a:t>
+            </a:r>
+            <a:r>
+              <a:rPr kumimoji="1" lang="ja-JP" altLang="en-US" sz="2800" dirty="0">
+                <a:latin typeface="游ゴシック" panose="020B0400000000000000" pitchFamily="50" charset="-128"/>
+                <a:ea typeface="游ゴシック" panose="020B0400000000000000" pitchFamily="50" charset="-128"/>
+              </a:rPr>
+              <a:t>死にゲー</a:t>
+            </a:r>
+          </a:p>
+        </p:txBody>
+      </p:sp>
+      <p:sp>
+        <p:nvSpPr>
+          <p:cNvPr id="5" name="テキスト ボックス 4">
+            <a:extLst>
+              <a:ext uri="{FF2B5EF4-FFF2-40B4-BE49-F238E27FC236}">
+                <a16:creationId xmlns:a16="http://schemas.microsoft.com/office/drawing/2014/main" id="{28F85288-B73F-453D-B4EE-D2EECC9B225C}"/>
+              </a:ext>
+            </a:extLst>
+          </p:cNvPr>
+          <p:cNvSpPr txBox="1"/>
+          <p:nvPr/>
+        </p:nvSpPr>
+        <p:spPr>
+          <a:xfrm>
+            <a:off x="5889811" y="5761757"/>
+            <a:ext cx="3719288" cy="523220"/>
+          </a:xfrm>
+          <a:prstGeom prst="rect">
+            <a:avLst/>
+          </a:prstGeom>
+          <a:noFill/>
+          <a:ln>
+            <a:noFill/>
+          </a:ln>
+        </p:spPr>
+        <p:txBody>
+          <a:bodyPr wrap="none" rtlCol="0">
+            <a:spAutoFit/>
+          </a:bodyPr>
+          <a:lstStyle/>
+          <a:p>
+            <a:r>
+              <a:rPr kumimoji="1" lang="ja-JP" altLang="en-US" sz="2800" dirty="0">
+                <a:latin typeface="游ゴシック" panose="020B0400000000000000" pitchFamily="50" charset="-128"/>
+                <a:ea typeface="游ゴシック" panose="020B0400000000000000" pitchFamily="50" charset="-128"/>
+              </a:rPr>
+              <a:t>■言語 </a:t>
+            </a:r>
+            <a:r>
+              <a:rPr kumimoji="1" lang="en-US" altLang="ja-JP" sz="2800" dirty="0">
+                <a:latin typeface="游ゴシック" panose="020B0400000000000000" pitchFamily="50" charset="-128"/>
+                <a:ea typeface="游ゴシック" panose="020B0400000000000000" pitchFamily="50" charset="-128"/>
+              </a:rPr>
+              <a:t>			</a:t>
+            </a:r>
+            <a:r>
+              <a:rPr kumimoji="1" lang="ja-JP" altLang="en-US" sz="2800" dirty="0">
+                <a:latin typeface="游ゴシック" panose="020B0400000000000000" pitchFamily="50" charset="-128"/>
+                <a:ea typeface="游ゴシック" panose="020B0400000000000000" pitchFamily="50" charset="-128"/>
+              </a:rPr>
+              <a:t>：</a:t>
+            </a:r>
+            <a:r>
+              <a:rPr kumimoji="1" lang="en-US" altLang="ja-JP" sz="2800" dirty="0">
+                <a:latin typeface="游ゴシック" panose="020B0400000000000000" pitchFamily="50" charset="-128"/>
+                <a:ea typeface="游ゴシック" panose="020B0400000000000000" pitchFamily="50" charset="-128"/>
+              </a:rPr>
+              <a:t>	C++</a:t>
+            </a:r>
+            <a:endParaRPr kumimoji="1" lang="ja-JP" altLang="en-US" dirty="0">
+              <a:latin typeface="游ゴシック" panose="020B0400000000000000" pitchFamily="50" charset="-128"/>
+              <a:ea typeface="游ゴシック" panose="020B0400000000000000" pitchFamily="50" charset="-128"/>
+            </a:endParaRPr>
           </a:p>
         </p:txBody>
       </p:sp>
@@ -3795,59 +4003,12 @@
           <a:chExt cx="0" cy="0"/>
         </a:xfrm>
       </p:grpSpPr>
-      <p:pic>
-        <p:nvPicPr>
-          <p:cNvPr id="2050" name="Picture 2" descr="Nintendo Switchの回転する殺人ディスクから逃げ回るアクションゲーム「Disc Room」はこんな感じ - YouTube さん">
+      <p:sp>
+        <p:nvSpPr>
+          <p:cNvPr id="2" name="テキスト ボックス 1">
             <a:extLst>
               <a:ext uri="{FF2B5EF4-FFF2-40B4-BE49-F238E27FC236}">
-                <a16:creationId xmlns:a16="http://schemas.microsoft.com/office/drawing/2014/main" id="{5E599B97-C8D6-419B-84EF-E628F83EF6B9}"/>
-              </a:ext>
-            </a:extLst>
-          </p:cNvPr>
-          <p:cNvPicPr>
-            <a:picLocks noChangeAspect="1" noChangeArrowheads="1"/>
-          </p:cNvPicPr>
-          <p:nvPr/>
-        </p:nvPicPr>
-        <p:blipFill>
-          <a:blip r:embed="rId2">
-            <a:extLst>
-              <a:ext uri="{28A0092B-C50C-407E-A947-70E740481C1C}">
-                <a14:useLocalDpi xmlns:a14="http://schemas.microsoft.com/office/drawing/2010/main" val="0"/>
-              </a:ext>
-            </a:extLst>
-          </a:blip>
-          <a:srcRect/>
-          <a:stretch>
-            <a:fillRect/>
-          </a:stretch>
-        </p:blipFill>
-        <p:spPr bwMode="auto">
-          <a:xfrm>
-            <a:off x="5648566" y="3193677"/>
-            <a:ext cx="6543434" cy="3664323"/>
-          </a:xfrm>
-          <a:prstGeom prst="rect">
-            <a:avLst/>
-          </a:prstGeom>
-          <a:noFill/>
-          <a:extLst>
-            <a:ext uri="{909E8E84-426E-40DD-AFC4-6F175D3DCCD1}">
-              <a14:hiddenFill xmlns:a14="http://schemas.microsoft.com/office/drawing/2010/main">
-                <a:solidFill>
-                  <a:srgbClr val="FFFFFF"/>
-                </a:solidFill>
-              </a14:hiddenFill>
-            </a:ext>
-          </a:extLst>
-        </p:spPr>
-      </p:pic>
-      <p:sp>
-        <p:nvSpPr>
-          <p:cNvPr id="6" name="テキスト ボックス 5">
-            <a:extLst>
-              <a:ext uri="{FF2B5EF4-FFF2-40B4-BE49-F238E27FC236}">
-                <a16:creationId xmlns:a16="http://schemas.microsoft.com/office/drawing/2014/main" id="{178E05B3-15D7-4375-91BC-1FAA8119549B}"/>
+                <a16:creationId xmlns:a16="http://schemas.microsoft.com/office/drawing/2014/main" id="{C2A267E2-CA45-4AF6-A16A-89C3C3BCDF71}"/>
               </a:ext>
             </a:extLst>
           </p:cNvPr>
@@ -3856,8 +4017,8 @@
         </p:nvSpPr>
         <p:spPr>
           <a:xfrm>
-            <a:off x="389965" y="524436"/>
-            <a:ext cx="5032147" cy="923330"/>
+            <a:off x="941294" y="1062317"/>
+            <a:ext cx="9991165" cy="1938992"/>
           </a:xfrm>
           <a:prstGeom prst="rect">
             <a:avLst/>
@@ -3865,24 +4026,85 @@
           <a:noFill/>
         </p:spPr>
         <p:txBody>
-          <a:bodyPr wrap="none" rtlCol="0">
+          <a:bodyPr wrap="square" rtlCol="0">
             <a:spAutoFit/>
           </a:bodyPr>
           <a:lstStyle/>
           <a:p>
             <a:r>
-              <a:rPr kumimoji="1" lang="ja-JP" altLang="en-US" sz="5400" dirty="0"/>
-              <a:t>どんなゲーム？</a:t>
-            </a:r>
-          </a:p>
-        </p:txBody>
-      </p:sp>
-      <p:sp>
-        <p:nvSpPr>
-          <p:cNvPr id="7" name="テキスト ボックス 6">
+              <a:rPr kumimoji="1" lang="ja-JP" altLang="en-US" sz="4000" dirty="0">
+                <a:latin typeface="游ゴシック" panose="020B0400000000000000" pitchFamily="50" charset="-128"/>
+                <a:ea typeface="游ゴシック" panose="020B0400000000000000" pitchFamily="50" charset="-128"/>
+              </a:rPr>
+              <a:t>目的</a:t>
+            </a:r>
+            <a:r>
+              <a:rPr kumimoji="1" lang="en-US" altLang="ja-JP" sz="4000" dirty="0">
+                <a:latin typeface="游ゴシック" panose="020B0400000000000000" pitchFamily="50" charset="-128"/>
+                <a:ea typeface="游ゴシック" panose="020B0400000000000000" pitchFamily="50" charset="-128"/>
+              </a:rPr>
+              <a:t>	:	</a:t>
+            </a:r>
+            <a:r>
+              <a:rPr kumimoji="1" lang="ja-JP" altLang="en-US" sz="4000" dirty="0">
+                <a:latin typeface="游ゴシック" panose="020B0400000000000000" pitchFamily="50" charset="-128"/>
+                <a:ea typeface="游ゴシック" panose="020B0400000000000000" pitchFamily="50" charset="-128"/>
+              </a:rPr>
+              <a:t>・判定処理やベクトル等の数学を</a:t>
+            </a:r>
+            <a:endParaRPr kumimoji="1" lang="en-US" altLang="ja-JP" sz="4000" dirty="0">
+              <a:latin typeface="游ゴシック" panose="020B0400000000000000" pitchFamily="50" charset="-128"/>
+              <a:ea typeface="游ゴシック" panose="020B0400000000000000" pitchFamily="50" charset="-128"/>
+            </a:endParaRPr>
+          </a:p>
+          <a:p>
+            <a:r>
+              <a:rPr kumimoji="1" lang="en-US" altLang="ja-JP" sz="4000" dirty="0">
+                <a:latin typeface="游ゴシック" panose="020B0400000000000000" pitchFamily="50" charset="-128"/>
+                <a:ea typeface="游ゴシック" panose="020B0400000000000000" pitchFamily="50" charset="-128"/>
+              </a:rPr>
+              <a:t>					C++</a:t>
+            </a:r>
+            <a:r>
+              <a:rPr kumimoji="1" lang="ja-JP" altLang="en-US" sz="4000" dirty="0">
+                <a:latin typeface="游ゴシック" panose="020B0400000000000000" pitchFamily="50" charset="-128"/>
+                <a:ea typeface="游ゴシック" panose="020B0400000000000000" pitchFamily="50" charset="-128"/>
+              </a:rPr>
+              <a:t>で実装させる</a:t>
+            </a:r>
+            <a:endParaRPr kumimoji="1" lang="en-US" altLang="ja-JP" sz="4000" dirty="0">
+              <a:latin typeface="游ゴシック" panose="020B0400000000000000" pitchFamily="50" charset="-128"/>
+              <a:ea typeface="游ゴシック" panose="020B0400000000000000" pitchFamily="50" charset="-128"/>
+            </a:endParaRPr>
+          </a:p>
+          <a:p>
+            <a:r>
+              <a:rPr kumimoji="1" lang="en-US" altLang="ja-JP" sz="4000" dirty="0">
+                <a:latin typeface="游ゴシック" panose="020B0400000000000000" pitchFamily="50" charset="-128"/>
+                <a:ea typeface="游ゴシック" panose="020B0400000000000000" pitchFamily="50" charset="-128"/>
+              </a:rPr>
+              <a:t>				</a:t>
+            </a:r>
+            <a:r>
+              <a:rPr kumimoji="1" lang="ja-JP" altLang="en-US" sz="4000" dirty="0">
+                <a:latin typeface="游ゴシック" panose="020B0400000000000000" pitchFamily="50" charset="-128"/>
+                <a:ea typeface="游ゴシック" panose="020B0400000000000000" pitchFamily="50" charset="-128"/>
+              </a:rPr>
+              <a:t>・見た目にも意識したものを作る</a:t>
+            </a:r>
+            <a:endParaRPr kumimoji="1" lang="en-US" altLang="ja-JP" sz="4000" dirty="0">
+              <a:latin typeface="游ゴシック" panose="020B0400000000000000" pitchFamily="50" charset="-128"/>
+              <a:ea typeface="游ゴシック" panose="020B0400000000000000" pitchFamily="50" charset="-128"/>
+            </a:endParaRPr>
+          </a:p>
+        </p:txBody>
+      </p:sp>
+      <p:sp>
+        <p:nvSpPr>
+          <p:cNvPr id="3" name="テキスト ボックス 2">
             <a:extLst>
               <a:ext uri="{FF2B5EF4-FFF2-40B4-BE49-F238E27FC236}">
-                <a16:creationId xmlns:a16="http://schemas.microsoft.com/office/drawing/2014/main" id="{A47D5130-5487-496F-9191-9764E6171025}"/>
+                <a16:creationId xmlns:a16="http://schemas.microsoft.com/office/drawing/2014/main" id="{9E4780FC-4109-48C0-AEEF-CA3D6D9E2D69}"/>
               </a:ext>
             </a:extLst>
           </p:cNvPr>
@@ -3891,8 +4113,8 @@
         </p:nvSpPr>
         <p:spPr>
           <a:xfrm>
-            <a:off x="389965" y="1624017"/>
-            <a:ext cx="6391493" cy="1446550"/>
+            <a:off x="941294" y="3856692"/>
+            <a:ext cx="9211235" cy="707886"/>
           </a:xfrm>
           <a:prstGeom prst="rect">
             <a:avLst/>
@@ -3900,38 +4122,25 @@
           <a:noFill/>
         </p:spPr>
         <p:txBody>
-          <a:bodyPr wrap="none" rtlCol="0">
+          <a:bodyPr wrap="square" rtlCol="0">
             <a:spAutoFit/>
           </a:bodyPr>
           <a:lstStyle/>
           <a:p>
             <a:r>
-              <a:rPr kumimoji="1" lang="ja-JP" altLang="en-US" sz="4400" dirty="0"/>
-              <a:t>・一定時間ステージ内で</a:t>
-            </a:r>
-            <a:endParaRPr kumimoji="1" lang="en-US" altLang="ja-JP" sz="4400" dirty="0"/>
-          </a:p>
-          <a:p>
-            <a:r>
-              <a:rPr kumimoji="1" lang="ja-JP" altLang="en-US" sz="4400" dirty="0"/>
-              <a:t>　</a:t>
-            </a:r>
-            <a:r>
-              <a:rPr kumimoji="1" lang="en-US" altLang="ja-JP" sz="4400" dirty="0"/>
-              <a:t>Disc</a:t>
-            </a:r>
-            <a:r>
-              <a:rPr kumimoji="1" lang="ja-JP" altLang="en-US" sz="4400" dirty="0"/>
-              <a:t>から逃げるゲーム</a:t>
-            </a:r>
-            <a:endParaRPr kumimoji="1" lang="en-US" altLang="ja-JP" sz="4400" dirty="0"/>
+              <a:rPr kumimoji="1" lang="ja-JP" altLang="en-US" sz="4000" dirty="0">
+                <a:latin typeface="游ゴシック" panose="020B0400000000000000" pitchFamily="50" charset="-128"/>
+                <a:ea typeface="游ゴシック" panose="020B0400000000000000" pitchFamily="50" charset="-128"/>
+              </a:rPr>
+              <a:t>規模 ： 合計２０ステージ</a:t>
+            </a:r>
           </a:p>
         </p:txBody>
       </p:sp>
     </p:spTree>
     <p:extLst>
       <p:ext uri="{BB962C8B-B14F-4D97-AF65-F5344CB8AC3E}">
-        <p14:creationId xmlns:p14="http://schemas.microsoft.com/office/powerpoint/2010/main" val="169377172"/>
+        <p14:creationId xmlns:p14="http://schemas.microsoft.com/office/powerpoint/2010/main" val="1159480545"/>
       </p:ext>
     </p:extLst>
   </p:cSld>
@@ -3958,10 +4167,602 @@
           <a:chExt cx="0" cy="0"/>
         </a:xfrm>
       </p:grpSpPr>
+      <p:sp>
+        <p:nvSpPr>
+          <p:cNvPr id="6" name="テキスト ボックス 5">
+            <a:extLst>
+              <a:ext uri="{FF2B5EF4-FFF2-40B4-BE49-F238E27FC236}">
+                <a16:creationId xmlns:a16="http://schemas.microsoft.com/office/drawing/2014/main" id="{178E05B3-15D7-4375-91BC-1FAA8119549B}"/>
+              </a:ext>
+            </a:extLst>
+          </p:cNvPr>
+          <p:cNvSpPr txBox="1"/>
+          <p:nvPr/>
+        </p:nvSpPr>
+        <p:spPr>
+          <a:xfrm>
+            <a:off x="0" y="-5028"/>
+            <a:ext cx="5032147" cy="923330"/>
+          </a:xfrm>
+          <a:prstGeom prst="rect">
+            <a:avLst/>
+          </a:prstGeom>
+          <a:noFill/>
+        </p:spPr>
+        <p:txBody>
+          <a:bodyPr wrap="none" rtlCol="0">
+            <a:spAutoFit/>
+          </a:bodyPr>
+          <a:lstStyle/>
+          <a:p>
+            <a:r>
+              <a:rPr kumimoji="1" lang="ja-JP" altLang="en-US" sz="5400" dirty="0">
+                <a:latin typeface="游ゴシック" panose="020B0400000000000000" pitchFamily="50" charset="-128"/>
+                <a:ea typeface="游ゴシック" panose="020B0400000000000000" pitchFamily="50" charset="-128"/>
+              </a:rPr>
+              <a:t>どんなゲーム？</a:t>
+            </a:r>
+          </a:p>
+        </p:txBody>
+      </p:sp>
+      <p:sp>
+        <p:nvSpPr>
+          <p:cNvPr id="7" name="テキスト ボックス 6">
+            <a:extLst>
+              <a:ext uri="{FF2B5EF4-FFF2-40B4-BE49-F238E27FC236}">
+                <a16:creationId xmlns:a16="http://schemas.microsoft.com/office/drawing/2014/main" id="{A47D5130-5487-496F-9191-9764E6171025}"/>
+              </a:ext>
+            </a:extLst>
+          </p:cNvPr>
+          <p:cNvSpPr txBox="1"/>
+          <p:nvPr/>
+        </p:nvSpPr>
+        <p:spPr>
+          <a:xfrm>
+            <a:off x="234922" y="1120613"/>
+            <a:ext cx="6763390" cy="707886"/>
+          </a:xfrm>
+          <a:prstGeom prst="rect">
+            <a:avLst/>
+          </a:prstGeom>
+          <a:noFill/>
+        </p:spPr>
+        <p:txBody>
+          <a:bodyPr wrap="none" rtlCol="0">
+            <a:spAutoFit/>
+          </a:bodyPr>
+          <a:lstStyle/>
+          <a:p>
+            <a:r>
+              <a:rPr kumimoji="1" lang="ja-JP" altLang="en-US" sz="4000" b="1" dirty="0">
+                <a:latin typeface="游ゴシック" panose="020B0400000000000000" pitchFamily="50" charset="-128"/>
+                <a:ea typeface="游ゴシック" panose="020B0400000000000000" pitchFamily="50" charset="-128"/>
+              </a:rPr>
+              <a:t>・</a:t>
+            </a:r>
+            <a:r>
+              <a:rPr kumimoji="1" lang="en-US" altLang="ja-JP" sz="4000" b="1" dirty="0">
+                <a:latin typeface="游ゴシック" panose="020B0400000000000000" pitchFamily="50" charset="-128"/>
+                <a:ea typeface="游ゴシック" panose="020B0400000000000000" pitchFamily="50" charset="-128"/>
+              </a:rPr>
+              <a:t>Circle</a:t>
+            </a:r>
+            <a:r>
+              <a:rPr kumimoji="1" lang="ja-JP" altLang="en-US" sz="4000" b="1" dirty="0">
+                <a:latin typeface="游ゴシック" panose="020B0400000000000000" pitchFamily="50" charset="-128"/>
+                <a:ea typeface="游ゴシック" panose="020B0400000000000000" pitchFamily="50" charset="-128"/>
+              </a:rPr>
+              <a:t>から逃げるゲーム！</a:t>
+            </a:r>
+            <a:endParaRPr kumimoji="1" lang="en-US" altLang="ja-JP" sz="4000" b="1" dirty="0">
+              <a:latin typeface="游ゴシック" panose="020B0400000000000000" pitchFamily="50" charset="-128"/>
+              <a:ea typeface="游ゴシック" panose="020B0400000000000000" pitchFamily="50" charset="-128"/>
+            </a:endParaRPr>
+          </a:p>
+        </p:txBody>
+      </p:sp>
+      <p:sp>
+        <p:nvSpPr>
+          <p:cNvPr id="3" name="テキスト ボックス 2">
+            <a:extLst>
+              <a:ext uri="{FF2B5EF4-FFF2-40B4-BE49-F238E27FC236}">
+                <a16:creationId xmlns:a16="http://schemas.microsoft.com/office/drawing/2014/main" id="{5E9D5305-9FDF-40CD-8919-EA9AB4D09EE8}"/>
+              </a:ext>
+            </a:extLst>
+          </p:cNvPr>
+          <p:cNvSpPr txBox="1"/>
+          <p:nvPr/>
+        </p:nvSpPr>
+        <p:spPr>
+          <a:xfrm>
+            <a:off x="3145314" y="3996641"/>
+            <a:ext cx="5330305" cy="707886"/>
+          </a:xfrm>
+          <a:prstGeom prst="rect">
+            <a:avLst/>
+          </a:prstGeom>
+          <a:noFill/>
+        </p:spPr>
+        <p:txBody>
+          <a:bodyPr wrap="none" rtlCol="0">
+            <a:spAutoFit/>
+          </a:bodyPr>
+          <a:lstStyle/>
+          <a:p>
+            <a:r>
+              <a:rPr kumimoji="1" lang="ja-JP" altLang="en-US" sz="4000" b="1" dirty="0">
+                <a:latin typeface="游ゴシック" panose="020B0400000000000000" pitchFamily="50" charset="-128"/>
+                <a:ea typeface="游ゴシック" panose="020B0400000000000000" pitchFamily="50" charset="-128"/>
+              </a:rPr>
+              <a:t>・試練を乗り越えろ！</a:t>
+            </a:r>
+          </a:p>
+        </p:txBody>
+      </p:sp>
+      <p:pic>
+        <p:nvPicPr>
+          <p:cNvPr id="9" name="図 8">
+            <a:extLst>
+              <a:ext uri="{FF2B5EF4-FFF2-40B4-BE49-F238E27FC236}">
+                <a16:creationId xmlns:a16="http://schemas.microsoft.com/office/drawing/2014/main" id="{03E4A331-3B2A-48F5-A73B-DF7F39BB269C}"/>
+              </a:ext>
+            </a:extLst>
+          </p:cNvPr>
+          <p:cNvPicPr>
+            <a:picLocks noChangeAspect="1"/>
+          </p:cNvPicPr>
+          <p:nvPr/>
+        </p:nvPicPr>
+        <p:blipFill>
+          <a:blip r:embed="rId2"/>
+          <a:stretch>
+            <a:fillRect/>
+          </a:stretch>
+        </p:blipFill>
+        <p:spPr>
+          <a:xfrm>
+            <a:off x="234922" y="3061464"/>
+            <a:ext cx="2762038" cy="2085299"/>
+          </a:xfrm>
+          <a:prstGeom prst="rect">
+            <a:avLst/>
+          </a:prstGeom>
+        </p:spPr>
+      </p:pic>
+      <p:pic>
+        <p:nvPicPr>
+          <p:cNvPr id="11" name="図 10">
+            <a:extLst>
+              <a:ext uri="{FF2B5EF4-FFF2-40B4-BE49-F238E27FC236}">
+                <a16:creationId xmlns:a16="http://schemas.microsoft.com/office/drawing/2014/main" id="{AD6537D5-EF00-4DC1-A650-4F54C78F9686}"/>
+              </a:ext>
+            </a:extLst>
+          </p:cNvPr>
+          <p:cNvPicPr>
+            <a:picLocks noChangeAspect="1"/>
+          </p:cNvPicPr>
+          <p:nvPr/>
+        </p:nvPicPr>
+        <p:blipFill>
+          <a:blip r:embed="rId3"/>
+          <a:stretch>
+            <a:fillRect/>
+          </a:stretch>
+        </p:blipFill>
+        <p:spPr>
+          <a:xfrm>
+            <a:off x="234922" y="5346379"/>
+            <a:ext cx="3044471" cy="1350156"/>
+          </a:xfrm>
+          <a:prstGeom prst="rect">
+            <a:avLst/>
+          </a:prstGeom>
+        </p:spPr>
+      </p:pic>
+      <p:pic>
+        <p:nvPicPr>
+          <p:cNvPr id="13" name="図 12">
+            <a:extLst>
+              <a:ext uri="{FF2B5EF4-FFF2-40B4-BE49-F238E27FC236}">
+                <a16:creationId xmlns:a16="http://schemas.microsoft.com/office/drawing/2014/main" id="{4ADD3DAE-DD83-4570-9F00-19B66265AF22}"/>
+              </a:ext>
+            </a:extLst>
+          </p:cNvPr>
+          <p:cNvPicPr>
+            <a:picLocks noChangeAspect="1"/>
+          </p:cNvPicPr>
+          <p:nvPr/>
+        </p:nvPicPr>
+        <p:blipFill>
+          <a:blip r:embed="rId4"/>
+          <a:stretch>
+            <a:fillRect/>
+          </a:stretch>
+        </p:blipFill>
+        <p:spPr>
+          <a:xfrm>
+            <a:off x="6924142" y="161465"/>
+            <a:ext cx="3895243" cy="3635560"/>
+          </a:xfrm>
+          <a:prstGeom prst="rect">
+            <a:avLst/>
+          </a:prstGeom>
+        </p:spPr>
+      </p:pic>
+      <p:sp>
+        <p:nvSpPr>
+          <p:cNvPr id="15" name="楕円 14">
+            <a:extLst>
+              <a:ext uri="{FF2B5EF4-FFF2-40B4-BE49-F238E27FC236}">
+                <a16:creationId xmlns:a16="http://schemas.microsoft.com/office/drawing/2014/main" id="{42EAF20F-EFC6-49EC-8EF9-6018BE86C6B5}"/>
+              </a:ext>
+            </a:extLst>
+          </p:cNvPr>
+          <p:cNvSpPr/>
+          <p:nvPr/>
+        </p:nvSpPr>
+        <p:spPr>
+          <a:xfrm>
+            <a:off x="8590426" y="1627095"/>
+            <a:ext cx="537882" cy="537882"/>
+          </a:xfrm>
+          <a:prstGeom prst="ellipse">
+            <a:avLst/>
+          </a:prstGeom>
+          <a:solidFill>
+            <a:schemeClr val="bg1">
+              <a:lumMod val="65000"/>
+            </a:schemeClr>
+          </a:solidFill>
+          <a:ln>
+            <a:solidFill>
+              <a:schemeClr val="tx1"/>
+            </a:solidFill>
+          </a:ln>
+        </p:spPr>
+        <p:style>
+          <a:lnRef idx="2">
+            <a:schemeClr val="accent1">
+              <a:shade val="50000"/>
+            </a:schemeClr>
+          </a:lnRef>
+          <a:fillRef idx="1">
+            <a:schemeClr val="accent1"/>
+          </a:fillRef>
+          <a:effectRef idx="0">
+            <a:schemeClr val="accent1"/>
+          </a:effectRef>
+          <a:fontRef idx="minor">
+            <a:schemeClr val="lt1"/>
+          </a:fontRef>
+        </p:style>
+        <p:txBody>
+          <a:bodyPr rtlCol="0" anchor="ctr"/>
+          <a:lstStyle/>
+          <a:p>
+            <a:pPr algn="ctr"/>
+            <a:endParaRPr kumimoji="1" lang="ja-JP" altLang="en-US"/>
+          </a:p>
+        </p:txBody>
+      </p:sp>
+      <p:sp>
+        <p:nvSpPr>
+          <p:cNvPr id="17" name="楕円 16">
+            <a:extLst>
+              <a:ext uri="{FF2B5EF4-FFF2-40B4-BE49-F238E27FC236}">
+                <a16:creationId xmlns:a16="http://schemas.microsoft.com/office/drawing/2014/main" id="{82C461D4-EE65-4390-AD9A-6FF3A5DDC293}"/>
+              </a:ext>
+            </a:extLst>
+          </p:cNvPr>
+          <p:cNvSpPr/>
+          <p:nvPr/>
+        </p:nvSpPr>
+        <p:spPr>
+          <a:xfrm>
+            <a:off x="8898693" y="1779495"/>
+            <a:ext cx="537882" cy="537882"/>
+          </a:xfrm>
+          <a:prstGeom prst="ellipse">
+            <a:avLst/>
+          </a:prstGeom>
+          <a:solidFill>
+            <a:schemeClr val="bg1"/>
+          </a:solidFill>
+          <a:ln>
+            <a:solidFill>
+              <a:schemeClr val="tx1"/>
+            </a:solidFill>
+          </a:ln>
+        </p:spPr>
+        <p:style>
+          <a:lnRef idx="2">
+            <a:schemeClr val="accent1">
+              <a:shade val="50000"/>
+            </a:schemeClr>
+          </a:lnRef>
+          <a:fillRef idx="1">
+            <a:schemeClr val="accent1"/>
+          </a:fillRef>
+          <a:effectRef idx="0">
+            <a:schemeClr val="accent1"/>
+          </a:effectRef>
+          <a:fontRef idx="minor">
+            <a:schemeClr val="lt1"/>
+          </a:fontRef>
+        </p:style>
+        <p:txBody>
+          <a:bodyPr rtlCol="0" anchor="ctr"/>
+          <a:lstStyle/>
+          <a:p>
+            <a:pPr algn="ctr"/>
+            <a:endParaRPr kumimoji="1" lang="ja-JP" altLang="en-US"/>
+          </a:p>
+        </p:txBody>
+      </p:sp>
+      <p:sp>
+        <p:nvSpPr>
+          <p:cNvPr id="18" name="楕円 17">
+            <a:extLst>
+              <a:ext uri="{FF2B5EF4-FFF2-40B4-BE49-F238E27FC236}">
+                <a16:creationId xmlns:a16="http://schemas.microsoft.com/office/drawing/2014/main" id="{DAA93088-BFBA-478D-92FF-EA1A09569C6C}"/>
+              </a:ext>
+            </a:extLst>
+          </p:cNvPr>
+          <p:cNvSpPr/>
+          <p:nvPr/>
+        </p:nvSpPr>
+        <p:spPr>
+          <a:xfrm>
+            <a:off x="8475619" y="2250378"/>
+            <a:ext cx="537882" cy="537882"/>
+          </a:xfrm>
+          <a:prstGeom prst="ellipse">
+            <a:avLst/>
+          </a:prstGeom>
+          <a:solidFill>
+            <a:schemeClr val="bg1"/>
+          </a:solidFill>
+          <a:ln>
+            <a:solidFill>
+              <a:schemeClr val="tx1"/>
+            </a:solidFill>
+          </a:ln>
+        </p:spPr>
+        <p:style>
+          <a:lnRef idx="2">
+            <a:schemeClr val="accent1">
+              <a:shade val="50000"/>
+            </a:schemeClr>
+          </a:lnRef>
+          <a:fillRef idx="1">
+            <a:schemeClr val="accent1"/>
+          </a:fillRef>
+          <a:effectRef idx="0">
+            <a:schemeClr val="accent1"/>
+          </a:effectRef>
+          <a:fontRef idx="minor">
+            <a:schemeClr val="lt1"/>
+          </a:fontRef>
+        </p:style>
+        <p:txBody>
+          <a:bodyPr rtlCol="0" anchor="ctr"/>
+          <a:lstStyle/>
+          <a:p>
+            <a:pPr algn="ctr"/>
+            <a:endParaRPr kumimoji="1" lang="ja-JP" altLang="en-US"/>
+          </a:p>
+        </p:txBody>
+      </p:sp>
+      <p:sp>
+        <p:nvSpPr>
+          <p:cNvPr id="19" name="楕円 18">
+            <a:extLst>
+              <a:ext uri="{FF2B5EF4-FFF2-40B4-BE49-F238E27FC236}">
+                <a16:creationId xmlns:a16="http://schemas.microsoft.com/office/drawing/2014/main" id="{E0CF2F23-CFCA-459F-B59E-40D75F3255D5}"/>
+              </a:ext>
+            </a:extLst>
+          </p:cNvPr>
+          <p:cNvSpPr/>
+          <p:nvPr/>
+        </p:nvSpPr>
+        <p:spPr>
+          <a:xfrm>
+            <a:off x="10178934" y="2694131"/>
+            <a:ext cx="591877" cy="537882"/>
+          </a:xfrm>
+          <a:prstGeom prst="ellipse">
+            <a:avLst/>
+          </a:prstGeom>
+          <a:solidFill>
+            <a:schemeClr val="tx2">
+              <a:lumMod val="50000"/>
+              <a:lumOff val="50000"/>
+            </a:schemeClr>
+          </a:solidFill>
+          <a:ln>
+            <a:solidFill>
+              <a:schemeClr val="tx1"/>
+            </a:solidFill>
+          </a:ln>
+        </p:spPr>
+        <p:style>
+          <a:lnRef idx="2">
+            <a:schemeClr val="accent1">
+              <a:shade val="50000"/>
+            </a:schemeClr>
+          </a:lnRef>
+          <a:fillRef idx="1">
+            <a:schemeClr val="accent1"/>
+          </a:fillRef>
+          <a:effectRef idx="0">
+            <a:schemeClr val="accent1"/>
+          </a:effectRef>
+          <a:fontRef idx="minor">
+            <a:schemeClr val="lt1"/>
+          </a:fontRef>
+        </p:style>
+        <p:txBody>
+          <a:bodyPr rtlCol="0" anchor="ctr"/>
+          <a:lstStyle/>
+          <a:p>
+            <a:pPr algn="ctr"/>
+            <a:endParaRPr kumimoji="1" lang="ja-JP" altLang="en-US"/>
+          </a:p>
+        </p:txBody>
+      </p:sp>
+      <p:sp>
+        <p:nvSpPr>
+          <p:cNvPr id="20" name="楕円 19">
+            <a:extLst>
+              <a:ext uri="{FF2B5EF4-FFF2-40B4-BE49-F238E27FC236}">
+                <a16:creationId xmlns:a16="http://schemas.microsoft.com/office/drawing/2014/main" id="{36439979-54F9-47EF-8996-4CA649EC903E}"/>
+              </a:ext>
+            </a:extLst>
+          </p:cNvPr>
+          <p:cNvSpPr/>
+          <p:nvPr/>
+        </p:nvSpPr>
+        <p:spPr>
+          <a:xfrm>
+            <a:off x="6924142" y="456637"/>
+            <a:ext cx="591877" cy="537882"/>
+          </a:xfrm>
+          <a:prstGeom prst="ellipse">
+            <a:avLst/>
+          </a:prstGeom>
+          <a:solidFill>
+            <a:schemeClr val="tx2">
+              <a:lumMod val="50000"/>
+              <a:lumOff val="50000"/>
+            </a:schemeClr>
+          </a:solidFill>
+          <a:ln>
+            <a:solidFill>
+              <a:schemeClr val="tx1"/>
+            </a:solidFill>
+          </a:ln>
+        </p:spPr>
+        <p:style>
+          <a:lnRef idx="2">
+            <a:schemeClr val="accent1">
+              <a:shade val="50000"/>
+            </a:schemeClr>
+          </a:lnRef>
+          <a:fillRef idx="1">
+            <a:schemeClr val="accent1"/>
+          </a:fillRef>
+          <a:effectRef idx="0">
+            <a:schemeClr val="accent1"/>
+          </a:effectRef>
+          <a:fontRef idx="minor">
+            <a:schemeClr val="lt1"/>
+          </a:fontRef>
+        </p:style>
+        <p:txBody>
+          <a:bodyPr rtlCol="0" anchor="ctr"/>
+          <a:lstStyle/>
+          <a:p>
+            <a:pPr algn="ctr"/>
+            <a:endParaRPr kumimoji="1" lang="ja-JP" altLang="en-US"/>
+          </a:p>
+        </p:txBody>
+      </p:sp>
+      <p:sp>
+        <p:nvSpPr>
+          <p:cNvPr id="16" name="テキスト ボックス 15">
+            <a:extLst>
+              <a:ext uri="{FF2B5EF4-FFF2-40B4-BE49-F238E27FC236}">
+                <a16:creationId xmlns:a16="http://schemas.microsoft.com/office/drawing/2014/main" id="{B9F6F8A3-0157-480B-95C7-C7037083C24B}"/>
+              </a:ext>
+            </a:extLst>
+          </p:cNvPr>
+          <p:cNvSpPr txBox="1"/>
+          <p:nvPr/>
+        </p:nvSpPr>
+        <p:spPr>
+          <a:xfrm>
+            <a:off x="4075629" y="4850043"/>
+            <a:ext cx="6288901" cy="1384995"/>
+          </a:xfrm>
+          <a:prstGeom prst="rect">
+            <a:avLst/>
+          </a:prstGeom>
+          <a:noFill/>
+        </p:spPr>
+        <p:txBody>
+          <a:bodyPr wrap="none" rtlCol="0">
+            <a:spAutoFit/>
+          </a:bodyPr>
+          <a:lstStyle/>
+          <a:p>
+            <a:r>
+              <a:rPr kumimoji="1" lang="ja-JP" altLang="en-US" sz="2800" dirty="0">
+                <a:latin typeface="游ゴシック" panose="020B0400000000000000" pitchFamily="50" charset="-128"/>
+                <a:ea typeface="游ゴシック" panose="020B0400000000000000" pitchFamily="50" charset="-128"/>
+              </a:rPr>
+              <a:t>ステージごとにある条件をクリアし、</a:t>
+            </a:r>
+            <a:endParaRPr kumimoji="1" lang="en-US" altLang="ja-JP" sz="2800" dirty="0">
+              <a:latin typeface="游ゴシック" panose="020B0400000000000000" pitchFamily="50" charset="-128"/>
+              <a:ea typeface="游ゴシック" panose="020B0400000000000000" pitchFamily="50" charset="-128"/>
+            </a:endParaRPr>
+          </a:p>
+          <a:p>
+            <a:r>
+              <a:rPr kumimoji="1" lang="ja-JP" altLang="en-US" sz="2800" dirty="0">
+                <a:latin typeface="游ゴシック" panose="020B0400000000000000" pitchFamily="50" charset="-128"/>
+                <a:ea typeface="游ゴシック" panose="020B0400000000000000" pitchFamily="50" charset="-128"/>
+              </a:rPr>
+              <a:t>新たなステージを解放していこう！</a:t>
+            </a:r>
+            <a:endParaRPr kumimoji="1" lang="en-US" altLang="ja-JP" sz="2800" dirty="0">
+              <a:latin typeface="游ゴシック" panose="020B0400000000000000" pitchFamily="50" charset="-128"/>
+              <a:ea typeface="游ゴシック" panose="020B0400000000000000" pitchFamily="50" charset="-128"/>
+            </a:endParaRPr>
+          </a:p>
+          <a:p>
+            <a:r>
+              <a:rPr kumimoji="1" lang="ja-JP" altLang="en-US" sz="2800" dirty="0">
+                <a:latin typeface="游ゴシック" panose="020B0400000000000000" pitchFamily="50" charset="-128"/>
+                <a:ea typeface="游ゴシック" panose="020B0400000000000000" pitchFamily="50" charset="-128"/>
+              </a:rPr>
+              <a:t>中には</a:t>
+            </a:r>
+            <a:r>
+              <a:rPr kumimoji="1" lang="en-US" altLang="ja-JP" sz="2800" dirty="0">
+                <a:latin typeface="游ゴシック" panose="020B0400000000000000" pitchFamily="50" charset="-128"/>
+                <a:ea typeface="游ゴシック" panose="020B0400000000000000" pitchFamily="50" charset="-128"/>
+              </a:rPr>
+              <a:t>BOSS</a:t>
+            </a:r>
+            <a:r>
+              <a:rPr kumimoji="1" lang="ja-JP" altLang="en-US" sz="2800" dirty="0">
+                <a:latin typeface="游ゴシック" panose="020B0400000000000000" pitchFamily="50" charset="-128"/>
+                <a:ea typeface="游ゴシック" panose="020B0400000000000000" pitchFamily="50" charset="-128"/>
+              </a:rPr>
+              <a:t>ステージも</a:t>
+            </a:r>
+            <a:r>
+              <a:rPr kumimoji="1" lang="en-US" altLang="ja-JP" sz="2800" dirty="0">
+                <a:latin typeface="游ゴシック" panose="020B0400000000000000" pitchFamily="50" charset="-128"/>
+                <a:ea typeface="游ゴシック" panose="020B0400000000000000" pitchFamily="50" charset="-128"/>
+              </a:rPr>
+              <a:t>…</a:t>
+            </a:r>
+            <a:r>
+              <a:rPr kumimoji="1" lang="ja-JP" altLang="en-US" sz="2800" dirty="0">
+                <a:latin typeface="游ゴシック" panose="020B0400000000000000" pitchFamily="50" charset="-128"/>
+                <a:ea typeface="游ゴシック" panose="020B0400000000000000" pitchFamily="50" charset="-128"/>
+              </a:rPr>
+              <a:t>？</a:t>
+            </a:r>
+          </a:p>
+        </p:txBody>
+      </p:sp>
     </p:spTree>
     <p:extLst>
       <p:ext uri="{BB962C8B-B14F-4D97-AF65-F5344CB8AC3E}">
-        <p14:creationId xmlns:p14="http://schemas.microsoft.com/office/powerpoint/2010/main" val="1482871521"/>
+        <p14:creationId xmlns:p14="http://schemas.microsoft.com/office/powerpoint/2010/main" val="169377172"/>
       </p:ext>
     </p:extLst>
   </p:cSld>
@@ -3988,10 +4789,806 @@
           <a:chExt cx="0" cy="0"/>
         </a:xfrm>
       </p:grpSpPr>
+      <p:sp>
+        <p:nvSpPr>
+          <p:cNvPr id="2" name="テキスト ボックス 1">
+            <a:extLst>
+              <a:ext uri="{FF2B5EF4-FFF2-40B4-BE49-F238E27FC236}">
+                <a16:creationId xmlns:a16="http://schemas.microsoft.com/office/drawing/2014/main" id="{604C6459-681B-4037-8BE8-E76F865B0538}"/>
+              </a:ext>
+            </a:extLst>
+          </p:cNvPr>
+          <p:cNvSpPr txBox="1"/>
+          <p:nvPr/>
+        </p:nvSpPr>
+        <p:spPr>
+          <a:xfrm>
+            <a:off x="0" y="189920"/>
+            <a:ext cx="8648521" cy="769441"/>
+          </a:xfrm>
+          <a:prstGeom prst="rect">
+            <a:avLst/>
+          </a:prstGeom>
+          <a:noFill/>
+        </p:spPr>
+        <p:txBody>
+          <a:bodyPr wrap="none" rtlCol="0">
+            <a:spAutoFit/>
+          </a:bodyPr>
+          <a:lstStyle/>
+          <a:p>
+            <a:r>
+              <a:rPr kumimoji="1" lang="ja-JP" altLang="en-US" sz="4400" dirty="0">
+                <a:latin typeface="游ゴシック" panose="020B0400000000000000" pitchFamily="50" charset="-128"/>
+                <a:ea typeface="游ゴシック" panose="020B0400000000000000" pitchFamily="50" charset="-128"/>
+              </a:rPr>
+              <a:t>強力なアビリティを使いこなせ！</a:t>
+            </a:r>
+          </a:p>
+        </p:txBody>
+      </p:sp>
+      <p:pic>
+        <p:nvPicPr>
+          <p:cNvPr id="6" name="図 5">
+            <a:extLst>
+              <a:ext uri="{FF2B5EF4-FFF2-40B4-BE49-F238E27FC236}">
+                <a16:creationId xmlns:a16="http://schemas.microsoft.com/office/drawing/2014/main" id="{1827B6B2-BAF7-4DDB-88CC-73571D1452B8}"/>
+              </a:ext>
+            </a:extLst>
+          </p:cNvPr>
+          <p:cNvPicPr>
+            <a:picLocks noChangeAspect="1"/>
+          </p:cNvPicPr>
+          <p:nvPr/>
+        </p:nvPicPr>
+        <p:blipFill>
+          <a:blip r:embed="rId2"/>
+          <a:stretch>
+            <a:fillRect/>
+          </a:stretch>
+        </p:blipFill>
+        <p:spPr>
+          <a:xfrm>
+            <a:off x="592478" y="1167755"/>
+            <a:ext cx="2006194" cy="2006194"/>
+          </a:xfrm>
+          <a:prstGeom prst="rect">
+            <a:avLst/>
+          </a:prstGeom>
+        </p:spPr>
+      </p:pic>
+      <p:sp>
+        <p:nvSpPr>
+          <p:cNvPr id="7" name="テキスト ボックス 6">
+            <a:extLst>
+              <a:ext uri="{FF2B5EF4-FFF2-40B4-BE49-F238E27FC236}">
+                <a16:creationId xmlns:a16="http://schemas.microsoft.com/office/drawing/2014/main" id="{41699E85-FA49-4903-8068-26381756C623}"/>
+              </a:ext>
+            </a:extLst>
+          </p:cNvPr>
+          <p:cNvSpPr txBox="1"/>
+          <p:nvPr/>
+        </p:nvSpPr>
+        <p:spPr>
+          <a:xfrm>
+            <a:off x="5358422" y="1527860"/>
+            <a:ext cx="6647974" cy="1384995"/>
+          </a:xfrm>
+          <a:prstGeom prst="rect">
+            <a:avLst/>
+          </a:prstGeom>
+          <a:noFill/>
+        </p:spPr>
+        <p:txBody>
+          <a:bodyPr wrap="none" rtlCol="0">
+            <a:spAutoFit/>
+          </a:bodyPr>
+          <a:lstStyle/>
+          <a:p>
+            <a:r>
+              <a:rPr kumimoji="1" lang="ja-JP" altLang="en-US" sz="2800" dirty="0">
+                <a:latin typeface="游ゴシック" panose="020B0400000000000000" pitchFamily="50" charset="-128"/>
+                <a:ea typeface="游ゴシック" panose="020B0400000000000000" pitchFamily="50" charset="-128"/>
+              </a:rPr>
+              <a:t>特殊なアビリティを与えるものが存在し</a:t>
+            </a:r>
+            <a:endParaRPr kumimoji="1" lang="en-US" altLang="ja-JP" sz="2800" dirty="0">
+              <a:latin typeface="游ゴシック" panose="020B0400000000000000" pitchFamily="50" charset="-128"/>
+              <a:ea typeface="游ゴシック" panose="020B0400000000000000" pitchFamily="50" charset="-128"/>
+            </a:endParaRPr>
+          </a:p>
+          <a:p>
+            <a:r>
+              <a:rPr kumimoji="1" lang="ja-JP" altLang="en-US" sz="2800" dirty="0">
+                <a:latin typeface="游ゴシック" panose="020B0400000000000000" pitchFamily="50" charset="-128"/>
+                <a:ea typeface="游ゴシック" panose="020B0400000000000000" pitchFamily="50" charset="-128"/>
+              </a:rPr>
+              <a:t>「ダッシュ」や「スロウ」を使い、</a:t>
+            </a:r>
+            <a:endParaRPr kumimoji="1" lang="en-US" altLang="ja-JP" sz="2800" dirty="0">
+              <a:latin typeface="游ゴシック" panose="020B0400000000000000" pitchFamily="50" charset="-128"/>
+              <a:ea typeface="游ゴシック" panose="020B0400000000000000" pitchFamily="50" charset="-128"/>
+            </a:endParaRPr>
+          </a:p>
+          <a:p>
+            <a:r>
+              <a:rPr kumimoji="1" lang="en-US" altLang="ja-JP" sz="2800" dirty="0">
+                <a:latin typeface="游ゴシック" panose="020B0400000000000000" pitchFamily="50" charset="-128"/>
+                <a:ea typeface="游ゴシック" panose="020B0400000000000000" pitchFamily="50" charset="-128"/>
+              </a:rPr>
+              <a:t>Circle</a:t>
+            </a:r>
+            <a:r>
+              <a:rPr kumimoji="1" lang="ja-JP" altLang="en-US" sz="2800" dirty="0">
+                <a:latin typeface="游ゴシック" panose="020B0400000000000000" pitchFamily="50" charset="-128"/>
+                <a:ea typeface="游ゴシック" panose="020B0400000000000000" pitchFamily="50" charset="-128"/>
+              </a:rPr>
+              <a:t>に対抗しよう！</a:t>
+            </a:r>
+          </a:p>
+        </p:txBody>
+      </p:sp>
+      <p:pic>
+        <p:nvPicPr>
+          <p:cNvPr id="11" name="図 10">
+            <a:extLst>
+              <a:ext uri="{FF2B5EF4-FFF2-40B4-BE49-F238E27FC236}">
+                <a16:creationId xmlns:a16="http://schemas.microsoft.com/office/drawing/2014/main" id="{FDE8E269-173E-4F5E-A713-155243A64B4A}"/>
+              </a:ext>
+            </a:extLst>
+          </p:cNvPr>
+          <p:cNvPicPr>
+            <a:picLocks noChangeAspect="1"/>
+          </p:cNvPicPr>
+          <p:nvPr/>
+        </p:nvPicPr>
+        <p:blipFill>
+          <a:blip r:embed="rId3"/>
+          <a:stretch>
+            <a:fillRect/>
+          </a:stretch>
+        </p:blipFill>
+        <p:spPr>
+          <a:xfrm>
+            <a:off x="2834933" y="1191203"/>
+            <a:ext cx="2438204" cy="2007011"/>
+          </a:xfrm>
+          <a:prstGeom prst="rect">
+            <a:avLst/>
+          </a:prstGeom>
+        </p:spPr>
+      </p:pic>
+      <p:sp>
+        <p:nvSpPr>
+          <p:cNvPr id="12" name="楕円 11">
+            <a:extLst>
+              <a:ext uri="{FF2B5EF4-FFF2-40B4-BE49-F238E27FC236}">
+                <a16:creationId xmlns:a16="http://schemas.microsoft.com/office/drawing/2014/main" id="{53BFCACD-8C42-477B-AAC6-2E75A059FFC9}"/>
+              </a:ext>
+            </a:extLst>
+          </p:cNvPr>
+          <p:cNvSpPr/>
+          <p:nvPr/>
+        </p:nvSpPr>
+        <p:spPr>
+          <a:xfrm>
+            <a:off x="1091723" y="1689918"/>
+            <a:ext cx="938782" cy="938782"/>
+          </a:xfrm>
+          <a:prstGeom prst="ellipse">
+            <a:avLst/>
+          </a:prstGeom>
+          <a:solidFill>
+            <a:srgbClr val="7030A0"/>
+          </a:solidFill>
+        </p:spPr>
+        <p:style>
+          <a:lnRef idx="2">
+            <a:schemeClr val="accent1">
+              <a:shade val="50000"/>
+            </a:schemeClr>
+          </a:lnRef>
+          <a:fillRef idx="1">
+            <a:schemeClr val="accent1"/>
+          </a:fillRef>
+          <a:effectRef idx="0">
+            <a:schemeClr val="accent1"/>
+          </a:effectRef>
+          <a:fontRef idx="minor">
+            <a:schemeClr val="lt1"/>
+          </a:fontRef>
+        </p:style>
+        <p:txBody>
+          <a:bodyPr rtlCol="0" anchor="ctr"/>
+          <a:lstStyle/>
+          <a:p>
+            <a:pPr algn="ctr"/>
+            <a:endParaRPr kumimoji="1" lang="ja-JP" altLang="en-US"/>
+          </a:p>
+        </p:txBody>
+      </p:sp>
+      <p:sp>
+        <p:nvSpPr>
+          <p:cNvPr id="13" name="楕円 12">
+            <a:extLst>
+              <a:ext uri="{FF2B5EF4-FFF2-40B4-BE49-F238E27FC236}">
+                <a16:creationId xmlns:a16="http://schemas.microsoft.com/office/drawing/2014/main" id="{EEB7DD1A-BE56-4E04-BEF7-410FF4C2ED12}"/>
+              </a:ext>
+            </a:extLst>
+          </p:cNvPr>
+          <p:cNvSpPr/>
+          <p:nvPr/>
+        </p:nvSpPr>
+        <p:spPr>
+          <a:xfrm>
+            <a:off x="1253075" y="1851270"/>
+            <a:ext cx="616077" cy="616077"/>
+          </a:xfrm>
+          <a:prstGeom prst="ellipse">
+            <a:avLst/>
+          </a:prstGeom>
+          <a:solidFill>
+            <a:schemeClr val="tx1"/>
+          </a:solidFill>
+        </p:spPr>
+        <p:style>
+          <a:lnRef idx="2">
+            <a:schemeClr val="accent1">
+              <a:shade val="50000"/>
+            </a:schemeClr>
+          </a:lnRef>
+          <a:fillRef idx="1">
+            <a:schemeClr val="accent1"/>
+          </a:fillRef>
+          <a:effectRef idx="0">
+            <a:schemeClr val="accent1"/>
+          </a:effectRef>
+          <a:fontRef idx="minor">
+            <a:schemeClr val="lt1"/>
+          </a:fontRef>
+        </p:style>
+        <p:txBody>
+          <a:bodyPr rtlCol="0" anchor="ctr"/>
+          <a:lstStyle/>
+          <a:p>
+            <a:pPr algn="ctr"/>
+            <a:endParaRPr kumimoji="1" lang="ja-JP" altLang="en-US"/>
+          </a:p>
+        </p:txBody>
+      </p:sp>
+      <p:sp>
+        <p:nvSpPr>
+          <p:cNvPr id="14" name="楕円 13">
+            <a:extLst>
+              <a:ext uri="{FF2B5EF4-FFF2-40B4-BE49-F238E27FC236}">
+                <a16:creationId xmlns:a16="http://schemas.microsoft.com/office/drawing/2014/main" id="{6D22781A-99CD-44FB-A3D3-FAE675E90BEE}"/>
+              </a:ext>
+            </a:extLst>
+          </p:cNvPr>
+          <p:cNvSpPr/>
+          <p:nvPr/>
+        </p:nvSpPr>
+        <p:spPr>
+          <a:xfrm>
+            <a:off x="3511562" y="2312003"/>
+            <a:ext cx="600852" cy="600852"/>
+          </a:xfrm>
+          <a:prstGeom prst="ellipse">
+            <a:avLst/>
+          </a:prstGeom>
+          <a:solidFill>
+            <a:schemeClr val="bg1">
+              <a:lumMod val="50000"/>
+            </a:schemeClr>
+          </a:solidFill>
+        </p:spPr>
+        <p:style>
+          <a:lnRef idx="2">
+            <a:schemeClr val="accent1">
+              <a:shade val="50000"/>
+            </a:schemeClr>
+          </a:lnRef>
+          <a:fillRef idx="1">
+            <a:schemeClr val="accent1"/>
+          </a:fillRef>
+          <a:effectRef idx="0">
+            <a:schemeClr val="accent1"/>
+          </a:effectRef>
+          <a:fontRef idx="minor">
+            <a:schemeClr val="lt1"/>
+          </a:fontRef>
+        </p:style>
+        <p:txBody>
+          <a:bodyPr rtlCol="0" anchor="ctr"/>
+          <a:lstStyle/>
+          <a:p>
+            <a:pPr algn="ctr"/>
+            <a:endParaRPr kumimoji="1" lang="ja-JP" altLang="en-US"/>
+          </a:p>
+        </p:txBody>
+      </p:sp>
+      <p:sp>
+        <p:nvSpPr>
+          <p:cNvPr id="15" name="楕円 14">
+            <a:extLst>
+              <a:ext uri="{FF2B5EF4-FFF2-40B4-BE49-F238E27FC236}">
+                <a16:creationId xmlns:a16="http://schemas.microsoft.com/office/drawing/2014/main" id="{A53ACB64-8E8B-44D4-827F-51071E09D890}"/>
+              </a:ext>
+            </a:extLst>
+          </p:cNvPr>
+          <p:cNvSpPr/>
+          <p:nvPr/>
+        </p:nvSpPr>
+        <p:spPr>
+          <a:xfrm>
+            <a:off x="3596847" y="2391635"/>
+            <a:ext cx="430282" cy="430282"/>
+          </a:xfrm>
+          <a:prstGeom prst="ellipse">
+            <a:avLst/>
+          </a:prstGeom>
+          <a:solidFill>
+            <a:schemeClr val="tx1"/>
+          </a:solidFill>
+        </p:spPr>
+        <p:style>
+          <a:lnRef idx="2">
+            <a:schemeClr val="accent1">
+              <a:shade val="50000"/>
+            </a:schemeClr>
+          </a:lnRef>
+          <a:fillRef idx="1">
+            <a:schemeClr val="accent1"/>
+          </a:fillRef>
+          <a:effectRef idx="0">
+            <a:schemeClr val="accent1"/>
+          </a:effectRef>
+          <a:fontRef idx="minor">
+            <a:schemeClr val="lt1"/>
+          </a:fontRef>
+        </p:style>
+        <p:txBody>
+          <a:bodyPr rtlCol="0" anchor="ctr"/>
+          <a:lstStyle/>
+          <a:p>
+            <a:pPr algn="ctr"/>
+            <a:endParaRPr kumimoji="1" lang="ja-JP" altLang="en-US"/>
+          </a:p>
+        </p:txBody>
+      </p:sp>
+      <p:sp>
+        <p:nvSpPr>
+          <p:cNvPr id="18" name="テキスト ボックス 17">
+            <a:extLst>
+              <a:ext uri="{FF2B5EF4-FFF2-40B4-BE49-F238E27FC236}">
+                <a16:creationId xmlns:a16="http://schemas.microsoft.com/office/drawing/2014/main" id="{75C3FE5C-55B6-4669-AE87-1DBFF19C3F5D}"/>
+              </a:ext>
+            </a:extLst>
+          </p:cNvPr>
+          <p:cNvSpPr txBox="1"/>
+          <p:nvPr/>
+        </p:nvSpPr>
+        <p:spPr>
+          <a:xfrm>
+            <a:off x="850255" y="3401643"/>
+            <a:ext cx="4134465" cy="769441"/>
+          </a:xfrm>
+          <a:prstGeom prst="rect">
+            <a:avLst/>
+          </a:prstGeom>
+          <a:noFill/>
+        </p:spPr>
+        <p:txBody>
+          <a:bodyPr wrap="none" rtlCol="0">
+            <a:spAutoFit/>
+          </a:bodyPr>
+          <a:lstStyle/>
+          <a:p>
+            <a:r>
+              <a:rPr kumimoji="1" lang="ja-JP" altLang="en-US" sz="4400" dirty="0">
+                <a:latin typeface="游ゴシック" panose="020B0400000000000000" pitchFamily="50" charset="-128"/>
+                <a:ea typeface="游ゴシック" panose="020B0400000000000000" pitchFamily="50" charset="-128"/>
+              </a:rPr>
+              <a:t>超強力な敵も！</a:t>
+            </a:r>
+          </a:p>
+        </p:txBody>
+      </p:sp>
+      <p:pic>
+        <p:nvPicPr>
+          <p:cNvPr id="22" name="図 21">
+            <a:extLst>
+              <a:ext uri="{FF2B5EF4-FFF2-40B4-BE49-F238E27FC236}">
+                <a16:creationId xmlns:a16="http://schemas.microsoft.com/office/drawing/2014/main" id="{CE6FAB85-A95D-4B9B-A0C1-5949BD397AF8}"/>
+              </a:ext>
+            </a:extLst>
+          </p:cNvPr>
+          <p:cNvPicPr>
+            <a:picLocks noChangeAspect="1"/>
+          </p:cNvPicPr>
+          <p:nvPr/>
+        </p:nvPicPr>
+        <p:blipFill>
+          <a:blip r:embed="rId4"/>
+          <a:stretch>
+            <a:fillRect/>
+          </a:stretch>
+        </p:blipFill>
+        <p:spPr>
+          <a:xfrm>
+            <a:off x="1953224" y="4320467"/>
+            <a:ext cx="2159190" cy="2310332"/>
+          </a:xfrm>
+          <a:prstGeom prst="rect">
+            <a:avLst/>
+          </a:prstGeom>
+        </p:spPr>
+      </p:pic>
+      <p:sp>
+        <p:nvSpPr>
+          <p:cNvPr id="23" name="楕円 22">
+            <a:extLst>
+              <a:ext uri="{FF2B5EF4-FFF2-40B4-BE49-F238E27FC236}">
+                <a16:creationId xmlns:a16="http://schemas.microsoft.com/office/drawing/2014/main" id="{4052054A-22A0-4B03-88CA-A40763C3348B}"/>
+              </a:ext>
+            </a:extLst>
+          </p:cNvPr>
+          <p:cNvSpPr/>
+          <p:nvPr/>
+        </p:nvSpPr>
+        <p:spPr>
+          <a:xfrm>
+            <a:off x="2070775" y="4433619"/>
+            <a:ext cx="1741634" cy="1696977"/>
+          </a:xfrm>
+          <a:prstGeom prst="ellipse">
+            <a:avLst/>
+          </a:prstGeom>
+          <a:solidFill>
+            <a:srgbClr val="7030A0"/>
+          </a:solidFill>
+        </p:spPr>
+        <p:style>
+          <a:lnRef idx="2">
+            <a:schemeClr val="accent1">
+              <a:shade val="50000"/>
+            </a:schemeClr>
+          </a:lnRef>
+          <a:fillRef idx="1">
+            <a:schemeClr val="accent1"/>
+          </a:fillRef>
+          <a:effectRef idx="0">
+            <a:schemeClr val="accent1"/>
+          </a:effectRef>
+          <a:fontRef idx="minor">
+            <a:schemeClr val="lt1"/>
+          </a:fontRef>
+        </p:style>
+        <p:txBody>
+          <a:bodyPr rtlCol="0" anchor="ctr"/>
+          <a:lstStyle/>
+          <a:p>
+            <a:pPr algn="ctr"/>
+            <a:endParaRPr kumimoji="1" lang="ja-JP" altLang="en-US"/>
+          </a:p>
+        </p:txBody>
+      </p:sp>
+      <p:sp>
+        <p:nvSpPr>
+          <p:cNvPr id="25" name="楕円 24">
+            <a:extLst>
+              <a:ext uri="{FF2B5EF4-FFF2-40B4-BE49-F238E27FC236}">
+                <a16:creationId xmlns:a16="http://schemas.microsoft.com/office/drawing/2014/main" id="{6D00E49A-703F-460F-A0BA-B24D1A1FE34B}"/>
+              </a:ext>
+            </a:extLst>
+          </p:cNvPr>
+          <p:cNvSpPr/>
+          <p:nvPr/>
+        </p:nvSpPr>
+        <p:spPr>
+          <a:xfrm>
+            <a:off x="2289082" y="4646328"/>
+            <a:ext cx="1305019" cy="1271557"/>
+          </a:xfrm>
+          <a:prstGeom prst="ellipse">
+            <a:avLst/>
+          </a:prstGeom>
+        </p:spPr>
+        <p:style>
+          <a:lnRef idx="2">
+            <a:schemeClr val="dk1">
+              <a:shade val="50000"/>
+            </a:schemeClr>
+          </a:lnRef>
+          <a:fillRef idx="1">
+            <a:schemeClr val="dk1"/>
+          </a:fillRef>
+          <a:effectRef idx="0">
+            <a:schemeClr val="dk1"/>
+          </a:effectRef>
+          <a:fontRef idx="minor">
+            <a:schemeClr val="lt1"/>
+          </a:fontRef>
+        </p:style>
+        <p:txBody>
+          <a:bodyPr rtlCol="0" anchor="ctr"/>
+          <a:lstStyle/>
+          <a:p>
+            <a:pPr algn="ctr"/>
+            <a:endParaRPr kumimoji="1" lang="ja-JP" altLang="en-US"/>
+          </a:p>
+        </p:txBody>
+      </p:sp>
+      <p:sp>
+        <p:nvSpPr>
+          <p:cNvPr id="26" name="楕円 25">
+            <a:extLst>
+              <a:ext uri="{FF2B5EF4-FFF2-40B4-BE49-F238E27FC236}">
+                <a16:creationId xmlns:a16="http://schemas.microsoft.com/office/drawing/2014/main" id="{1AE38CE7-AB95-4750-91CD-13737844D461}"/>
+              </a:ext>
+            </a:extLst>
+          </p:cNvPr>
+          <p:cNvSpPr/>
+          <p:nvPr/>
+        </p:nvSpPr>
+        <p:spPr>
+          <a:xfrm>
+            <a:off x="2598672" y="4947980"/>
+            <a:ext cx="685837" cy="668251"/>
+          </a:xfrm>
+          <a:prstGeom prst="ellipse">
+            <a:avLst/>
+          </a:prstGeom>
+          <a:solidFill>
+            <a:schemeClr val="bg1">
+              <a:lumMod val="50000"/>
+            </a:schemeClr>
+          </a:solidFill>
+        </p:spPr>
+        <p:style>
+          <a:lnRef idx="2">
+            <a:schemeClr val="accent6"/>
+          </a:lnRef>
+          <a:fillRef idx="1">
+            <a:schemeClr val="lt1"/>
+          </a:fillRef>
+          <a:effectRef idx="0">
+            <a:schemeClr val="accent6"/>
+          </a:effectRef>
+          <a:fontRef idx="minor">
+            <a:schemeClr val="dk1"/>
+          </a:fontRef>
+        </p:style>
+        <p:txBody>
+          <a:bodyPr rtlCol="0" anchor="ctr"/>
+          <a:lstStyle/>
+          <a:p>
+            <a:pPr algn="ctr"/>
+            <a:endParaRPr kumimoji="1" lang="ja-JP" altLang="en-US"/>
+          </a:p>
+        </p:txBody>
+      </p:sp>
+      <p:sp>
+        <p:nvSpPr>
+          <p:cNvPr id="24" name="テキスト ボックス 23">
+            <a:extLst>
+              <a:ext uri="{FF2B5EF4-FFF2-40B4-BE49-F238E27FC236}">
+                <a16:creationId xmlns:a16="http://schemas.microsoft.com/office/drawing/2014/main" id="{31267128-E75A-4D89-A44C-35EC29729A9D}"/>
+              </a:ext>
+            </a:extLst>
+          </p:cNvPr>
+          <p:cNvSpPr txBox="1"/>
+          <p:nvPr/>
+        </p:nvSpPr>
+        <p:spPr>
+          <a:xfrm>
+            <a:off x="4591011" y="4725599"/>
+            <a:ext cx="6288901" cy="954107"/>
+          </a:xfrm>
+          <a:prstGeom prst="rect">
+            <a:avLst/>
+          </a:prstGeom>
+          <a:noFill/>
+        </p:spPr>
+        <p:txBody>
+          <a:bodyPr wrap="none" rtlCol="0">
+            <a:spAutoFit/>
+          </a:bodyPr>
+          <a:lstStyle/>
+          <a:p>
+            <a:r>
+              <a:rPr kumimoji="1" lang="ja-JP" altLang="en-US" sz="2800" dirty="0">
+                <a:latin typeface="游ゴシック" panose="020B0400000000000000" pitchFamily="50" charset="-128"/>
+                <a:ea typeface="游ゴシック" panose="020B0400000000000000" pitchFamily="50" charset="-128"/>
+              </a:rPr>
+              <a:t>ゲートキーパーと呼ばれるステージの</a:t>
+            </a:r>
+            <a:endParaRPr kumimoji="1" lang="en-US" altLang="ja-JP" sz="2800" dirty="0">
+              <a:latin typeface="游ゴシック" panose="020B0400000000000000" pitchFamily="50" charset="-128"/>
+              <a:ea typeface="游ゴシック" panose="020B0400000000000000" pitchFamily="50" charset="-128"/>
+            </a:endParaRPr>
+          </a:p>
+          <a:p>
+            <a:r>
+              <a:rPr kumimoji="1" lang="ja-JP" altLang="en-US" sz="2800" dirty="0">
+                <a:latin typeface="游ゴシック" panose="020B0400000000000000" pitchFamily="50" charset="-128"/>
+                <a:ea typeface="游ゴシック" panose="020B0400000000000000" pitchFamily="50" charset="-128"/>
+              </a:rPr>
+              <a:t>関門となる存在も！</a:t>
+            </a:r>
+          </a:p>
+        </p:txBody>
+      </p:sp>
     </p:spTree>
     <p:extLst>
       <p:ext uri="{BB962C8B-B14F-4D97-AF65-F5344CB8AC3E}">
-        <p14:creationId xmlns:p14="http://schemas.microsoft.com/office/powerpoint/2010/main" val="1159480545"/>
+        <p14:creationId xmlns:p14="http://schemas.microsoft.com/office/powerpoint/2010/main" val="1482871521"/>
+      </p:ext>
+    </p:extLst>
+  </p:cSld>
+  <p:clrMapOvr>
+    <a:masterClrMapping/>
+  </p:clrMapOvr>
+</p:sld>
+</file>
+
+<file path=ppt/slides/slide5.xml><?xml version="1.0" encoding="utf-8"?>
+<p:sld xmlns:a="http://schemas.openxmlformats.org/drawingml/2006/main" xmlns:r="http://schemas.openxmlformats.org/officeDocument/2006/relationships" xmlns:p="http://schemas.openxmlformats.org/presentationml/2006/main">
+  <p:cSld>
+    <p:spTree>
+      <p:nvGrpSpPr>
+        <p:cNvPr id="1" name=""/>
+        <p:cNvGrpSpPr/>
+        <p:nvPr/>
+      </p:nvGrpSpPr>
+      <p:grpSpPr>
+        <a:xfrm>
+          <a:off x="0" y="0"/>
+          <a:ext cx="0" cy="0"/>
+          <a:chOff x="0" y="0"/>
+          <a:chExt cx="0" cy="0"/>
+        </a:xfrm>
+      </p:grpSpPr>
+      <p:sp>
+        <p:nvSpPr>
+          <p:cNvPr id="2" name="テキスト ボックス 1">
+            <a:extLst>
+              <a:ext uri="{FF2B5EF4-FFF2-40B4-BE49-F238E27FC236}">
+                <a16:creationId xmlns:a16="http://schemas.microsoft.com/office/drawing/2014/main" id="{604C6459-681B-4037-8BE8-E76F865B0538}"/>
+              </a:ext>
+            </a:extLst>
+          </p:cNvPr>
+          <p:cNvSpPr txBox="1"/>
+          <p:nvPr/>
+        </p:nvSpPr>
+        <p:spPr>
+          <a:xfrm>
+            <a:off x="107576" y="482047"/>
+            <a:ext cx="5724644" cy="830997"/>
+          </a:xfrm>
+          <a:prstGeom prst="rect">
+            <a:avLst/>
+          </a:prstGeom>
+          <a:noFill/>
+        </p:spPr>
+        <p:txBody>
+          <a:bodyPr wrap="none" rtlCol="0">
+            <a:spAutoFit/>
+          </a:bodyPr>
+          <a:lstStyle/>
+          <a:p>
+            <a:r>
+              <a:rPr kumimoji="1" lang="ja-JP" altLang="en-US" sz="4800" dirty="0">
+                <a:latin typeface="游ゴシック" panose="020B0400000000000000" pitchFamily="50" charset="-128"/>
+                <a:ea typeface="游ゴシック" panose="020B0400000000000000" pitchFamily="50" charset="-128"/>
+              </a:rPr>
+              <a:t>見た目はこんな感じ</a:t>
+            </a:r>
+          </a:p>
+        </p:txBody>
+      </p:sp>
+      <p:pic>
+        <p:nvPicPr>
+          <p:cNvPr id="1026" name="Picture 2" descr="Steam：Ding Dong XL">
+            <a:extLst>
+              <a:ext uri="{FF2B5EF4-FFF2-40B4-BE49-F238E27FC236}">
+                <a16:creationId xmlns:a16="http://schemas.microsoft.com/office/drawing/2014/main" id="{76E7267F-47FE-4F1F-ABDB-2BE2C9124370}"/>
+              </a:ext>
+            </a:extLst>
+          </p:cNvPr>
+          <p:cNvPicPr>
+            <a:picLocks noChangeAspect="1" noChangeArrowheads="1"/>
+          </p:cNvPicPr>
+          <p:nvPr/>
+        </p:nvPicPr>
+        <p:blipFill>
+          <a:blip r:embed="rId2">
+            <a:extLst>
+              <a:ext uri="{28A0092B-C50C-407E-A947-70E740481C1C}">
+                <a14:useLocalDpi xmlns:a14="http://schemas.microsoft.com/office/drawing/2010/main" val="0"/>
+              </a:ext>
+            </a:extLst>
+          </a:blip>
+          <a:srcRect/>
+          <a:stretch>
+            <a:fillRect/>
+          </a:stretch>
+        </p:blipFill>
+        <p:spPr bwMode="auto">
+          <a:xfrm>
+            <a:off x="726140" y="1516102"/>
+            <a:ext cx="7874747" cy="4429545"/>
+          </a:xfrm>
+          <a:prstGeom prst="rect">
+            <a:avLst/>
+          </a:prstGeom>
+          <a:noFill/>
+          <a:extLst>
+            <a:ext uri="{909E8E84-426E-40DD-AFC4-6F175D3DCCD1}">
+              <a14:hiddenFill xmlns:a14="http://schemas.microsoft.com/office/drawing/2010/main">
+                <a:solidFill>
+                  <a:srgbClr val="FFFFFF"/>
+                </a:solidFill>
+              </a14:hiddenFill>
+            </a:ext>
+          </a:extLst>
+        </p:spPr>
+      </p:pic>
+      <p:sp>
+        <p:nvSpPr>
+          <p:cNvPr id="3" name="テキスト ボックス 2">
+            <a:extLst>
+              <a:ext uri="{FF2B5EF4-FFF2-40B4-BE49-F238E27FC236}">
+                <a16:creationId xmlns:a16="http://schemas.microsoft.com/office/drawing/2014/main" id="{4F7B02DE-DE80-46BC-875A-5BAEEEED58A4}"/>
+              </a:ext>
+            </a:extLst>
+          </p:cNvPr>
+          <p:cNvSpPr txBox="1"/>
+          <p:nvPr/>
+        </p:nvSpPr>
+        <p:spPr>
+          <a:xfrm>
+            <a:off x="9184342" y="3039035"/>
+            <a:ext cx="2236510" cy="1077218"/>
+          </a:xfrm>
+          <a:prstGeom prst="rect">
+            <a:avLst/>
+          </a:prstGeom>
+          <a:noFill/>
+        </p:spPr>
+        <p:txBody>
+          <a:bodyPr wrap="none" rtlCol="0">
+            <a:spAutoFit/>
+          </a:bodyPr>
+          <a:lstStyle/>
+          <a:p>
+            <a:r>
+              <a:rPr kumimoji="1" lang="ja-JP" altLang="en-US" sz="3200" dirty="0">
+                <a:latin typeface="游ゴシック" panose="020B0400000000000000" pitchFamily="50" charset="-128"/>
+                <a:ea typeface="游ゴシック" panose="020B0400000000000000" pitchFamily="50" charset="-128"/>
+              </a:rPr>
+              <a:t>ネオン調の</a:t>
+            </a:r>
+            <a:endParaRPr kumimoji="1" lang="en-US" altLang="ja-JP" sz="3200" dirty="0">
+              <a:latin typeface="游ゴシック" panose="020B0400000000000000" pitchFamily="50" charset="-128"/>
+              <a:ea typeface="游ゴシック" panose="020B0400000000000000" pitchFamily="50" charset="-128"/>
+            </a:endParaRPr>
+          </a:p>
+          <a:p>
+            <a:r>
+              <a:rPr kumimoji="1" lang="ja-JP" altLang="en-US" sz="3200" dirty="0">
+                <a:latin typeface="游ゴシック" panose="020B0400000000000000" pitchFamily="50" charset="-128"/>
+                <a:ea typeface="游ゴシック" panose="020B0400000000000000" pitchFamily="50" charset="-128"/>
+              </a:rPr>
+              <a:t>画面です</a:t>
+            </a:r>
+          </a:p>
+        </p:txBody>
+      </p:sp>
+    </p:spTree>
+    <p:extLst>
+      <p:ext uri="{BB962C8B-B14F-4D97-AF65-F5344CB8AC3E}">
+        <p14:creationId xmlns:p14="http://schemas.microsoft.com/office/powerpoint/2010/main" val="1379060702"/>
       </p:ext>
     </p:extLst>
   </p:cSld>

--- a/Disc Room.pptx
+++ b/Disc Room.pptx
@@ -316,7 +316,7 @@
           <a:p>
             <a:fld id="{AF35ED08-998A-4CC0-BF04-0F887C9A8691}" type="datetimeFigureOut">
               <a:rPr kumimoji="1" lang="ja-JP" altLang="en-US" smtClean="0"/>
-              <a:t>2023/11/9</a:t>
+              <a:t>2023/11/14</a:t>
             </a:fld>
             <a:endParaRPr kumimoji="1" lang="ja-JP" altLang="en-US"/>
           </a:p>
@@ -538,7 +538,7 @@
           <a:p>
             <a:fld id="{AF35ED08-998A-4CC0-BF04-0F887C9A8691}" type="datetimeFigureOut">
               <a:rPr kumimoji="1" lang="ja-JP" altLang="en-US" smtClean="0"/>
-              <a:t>2023/11/9</a:t>
+              <a:t>2023/11/14</a:t>
             </a:fld>
             <a:endParaRPr kumimoji="1" lang="ja-JP" altLang="en-US"/>
           </a:p>
@@ -750,7 +750,7 @@
           <a:p>
             <a:fld id="{AF35ED08-998A-4CC0-BF04-0F887C9A8691}" type="datetimeFigureOut">
               <a:rPr kumimoji="1" lang="ja-JP" altLang="en-US" smtClean="0"/>
-              <a:t>2023/11/9</a:t>
+              <a:t>2023/11/14</a:t>
             </a:fld>
             <a:endParaRPr kumimoji="1" lang="ja-JP" altLang="en-US"/>
           </a:p>
@@ -952,7 +952,7 @@
           <a:p>
             <a:fld id="{AF35ED08-998A-4CC0-BF04-0F887C9A8691}" type="datetimeFigureOut">
               <a:rPr kumimoji="1" lang="ja-JP" altLang="en-US" smtClean="0"/>
-              <a:t>2023/11/9</a:t>
+              <a:t>2023/11/14</a:t>
             </a:fld>
             <a:endParaRPr kumimoji="1" lang="ja-JP" altLang="en-US"/>
           </a:p>
@@ -1208,7 +1208,7 @@
           <a:p>
             <a:fld id="{AF35ED08-998A-4CC0-BF04-0F887C9A8691}" type="datetimeFigureOut">
               <a:rPr kumimoji="1" lang="ja-JP" altLang="en-US" smtClean="0"/>
-              <a:t>2023/11/9</a:t>
+              <a:t>2023/11/14</a:t>
             </a:fld>
             <a:endParaRPr kumimoji="1" lang="ja-JP" altLang="en-US"/>
           </a:p>
@@ -1560,7 +1560,7 @@
           <a:p>
             <a:fld id="{AF35ED08-998A-4CC0-BF04-0F887C9A8691}" type="datetimeFigureOut">
               <a:rPr kumimoji="1" lang="ja-JP" altLang="en-US" smtClean="0"/>
-              <a:t>2023/11/9</a:t>
+              <a:t>2023/11/14</a:t>
             </a:fld>
             <a:endParaRPr kumimoji="1" lang="ja-JP" altLang="en-US"/>
           </a:p>
@@ -2062,7 +2062,7 @@
           <a:p>
             <a:fld id="{AF35ED08-998A-4CC0-BF04-0F887C9A8691}" type="datetimeFigureOut">
               <a:rPr kumimoji="1" lang="ja-JP" altLang="en-US" smtClean="0"/>
-              <a:t>2023/11/9</a:t>
+              <a:t>2023/11/14</a:t>
             </a:fld>
             <a:endParaRPr kumimoji="1" lang="ja-JP" altLang="en-US"/>
           </a:p>
@@ -2180,7 +2180,7 @@
           <a:p>
             <a:fld id="{AF35ED08-998A-4CC0-BF04-0F887C9A8691}" type="datetimeFigureOut">
               <a:rPr kumimoji="1" lang="ja-JP" altLang="en-US" smtClean="0"/>
-              <a:t>2023/11/9</a:t>
+              <a:t>2023/11/14</a:t>
             </a:fld>
             <a:endParaRPr kumimoji="1" lang="ja-JP" altLang="en-US"/>
           </a:p>
@@ -2275,7 +2275,7 @@
           <a:p>
             <a:fld id="{AF35ED08-998A-4CC0-BF04-0F887C9A8691}" type="datetimeFigureOut">
               <a:rPr kumimoji="1" lang="ja-JP" altLang="en-US" smtClean="0"/>
-              <a:t>2023/11/9</a:t>
+              <a:t>2023/11/14</a:t>
             </a:fld>
             <a:endParaRPr kumimoji="1" lang="ja-JP" altLang="en-US"/>
           </a:p>
@@ -2663,7 +2663,7 @@
           <a:p>
             <a:fld id="{AF35ED08-998A-4CC0-BF04-0F887C9A8691}" type="datetimeFigureOut">
               <a:rPr kumimoji="1" lang="ja-JP" altLang="en-US" smtClean="0"/>
-              <a:t>2023/11/9</a:t>
+              <a:t>2023/11/14</a:t>
             </a:fld>
             <a:endParaRPr kumimoji="1" lang="ja-JP" altLang="en-US"/>
           </a:p>
@@ -2979,7 +2979,7 @@
           <a:p>
             <a:fld id="{AF35ED08-998A-4CC0-BF04-0F887C9A8691}" type="datetimeFigureOut">
               <a:rPr kumimoji="1" lang="ja-JP" altLang="en-US" smtClean="0"/>
-              <a:t>2023/11/9</a:t>
+              <a:t>2023/11/14</a:t>
             </a:fld>
             <a:endParaRPr kumimoji="1" lang="ja-JP" altLang="en-US"/>
           </a:p>
@@ -3244,7 +3244,7 @@
           <a:p>
             <a:fld id="{AF35ED08-998A-4CC0-BF04-0F887C9A8691}" type="datetimeFigureOut">
               <a:rPr kumimoji="1" lang="ja-JP" altLang="en-US" smtClean="0"/>
-              <a:t>2023/11/9</a:t>
+              <a:t>2023/11/14</a:t>
             </a:fld>
             <a:endParaRPr kumimoji="1" lang="ja-JP" altLang="en-US"/>
           </a:p>
@@ -4114,7 +4114,7 @@
         <p:spPr>
           <a:xfrm>
             <a:off x="941294" y="3856692"/>
-            <a:ext cx="9211235" cy="707886"/>
+            <a:ext cx="9856694" cy="707886"/>
           </a:xfrm>
           <a:prstGeom prst="rect">
             <a:avLst/>
@@ -4132,7 +4132,35 @@
                 <a:latin typeface="游ゴシック" panose="020B0400000000000000" pitchFamily="50" charset="-128"/>
                 <a:ea typeface="游ゴシック" panose="020B0400000000000000" pitchFamily="50" charset="-128"/>
               </a:rPr>
-              <a:t>規模 ： 合計２０ステージ</a:t>
+              <a:t>規模 ： 合計</a:t>
+            </a:r>
+            <a:r>
+              <a:rPr kumimoji="1" lang="en-US" altLang="ja-JP" sz="4000" dirty="0">
+                <a:latin typeface="游ゴシック" panose="020B0400000000000000" pitchFamily="50" charset="-128"/>
+                <a:ea typeface="游ゴシック" panose="020B0400000000000000" pitchFamily="50" charset="-128"/>
+              </a:rPr>
+              <a:t>9</a:t>
+            </a:r>
+            <a:r>
+              <a:rPr kumimoji="1" lang="ja-JP" altLang="en-US" sz="4000" dirty="0">
+                <a:latin typeface="游ゴシック" panose="020B0400000000000000" pitchFamily="50" charset="-128"/>
+                <a:ea typeface="游ゴシック" panose="020B0400000000000000" pitchFamily="50" charset="-128"/>
+              </a:rPr>
+              <a:t>ステージ</a:t>
+            </a:r>
+            <a:r>
+              <a:rPr kumimoji="1" lang="en-US" altLang="ja-JP" sz="4000" dirty="0">
+                <a:latin typeface="游ゴシック" panose="020B0400000000000000" pitchFamily="50" charset="-128"/>
+                <a:ea typeface="游ゴシック" panose="020B0400000000000000" pitchFamily="50" charset="-128"/>
+              </a:rPr>
+              <a:t>+</a:t>
+            </a:r>
+            <a:r>
+              <a:rPr kumimoji="1" lang="ja-JP" altLang="en-US" sz="4000" dirty="0">
+                <a:latin typeface="游ゴシック" panose="020B0400000000000000" pitchFamily="50" charset="-128"/>
+                <a:ea typeface="游ゴシック" panose="020B0400000000000000" pitchFamily="50" charset="-128"/>
+              </a:rPr>
+              <a:t>チュートリアル</a:t>
             </a:r>
           </a:p>
         </p:txBody>
